--- a/chapter5 团队和流程.pptx
+++ b/chapter5 团队和流程.pptx
@@ -17,25 +17,31 @@
     <p:sldId id="269" r:id="rId10"/>
     <p:sldId id="270" r:id="rId11"/>
     <p:sldId id="271" r:id="rId12"/>
-    <p:sldId id="273" r:id="rId13"/>
-    <p:sldId id="272" r:id="rId14"/>
-    <p:sldId id="274" r:id="rId15"/>
-    <p:sldId id="275" r:id="rId16"/>
-    <p:sldId id="276" r:id="rId17"/>
-    <p:sldId id="277" r:id="rId18"/>
-    <p:sldId id="279" r:id="rId19"/>
-    <p:sldId id="280" r:id="rId20"/>
-    <p:sldId id="282" r:id="rId21"/>
-    <p:sldId id="283" r:id="rId22"/>
-    <p:sldId id="281" r:id="rId23"/>
-    <p:sldId id="285" r:id="rId24"/>
-    <p:sldId id="286" r:id="rId25"/>
-    <p:sldId id="287" r:id="rId26"/>
-    <p:sldId id="288" r:id="rId27"/>
-    <p:sldId id="289" r:id="rId28"/>
-    <p:sldId id="290" r:id="rId29"/>
-    <p:sldId id="291" r:id="rId30"/>
-    <p:sldId id="292" r:id="rId31"/>
+    <p:sldId id="293" r:id="rId13"/>
+    <p:sldId id="294" r:id="rId14"/>
+    <p:sldId id="295" r:id="rId15"/>
+    <p:sldId id="296" r:id="rId16"/>
+    <p:sldId id="297" r:id="rId17"/>
+    <p:sldId id="298" r:id="rId18"/>
+    <p:sldId id="273" r:id="rId19"/>
+    <p:sldId id="272" r:id="rId20"/>
+    <p:sldId id="274" r:id="rId21"/>
+    <p:sldId id="275" r:id="rId22"/>
+    <p:sldId id="276" r:id="rId23"/>
+    <p:sldId id="277" r:id="rId24"/>
+    <p:sldId id="279" r:id="rId25"/>
+    <p:sldId id="280" r:id="rId26"/>
+    <p:sldId id="282" r:id="rId27"/>
+    <p:sldId id="283" r:id="rId28"/>
+    <p:sldId id="281" r:id="rId29"/>
+    <p:sldId id="285" r:id="rId30"/>
+    <p:sldId id="286" r:id="rId31"/>
+    <p:sldId id="287" r:id="rId32"/>
+    <p:sldId id="288" r:id="rId33"/>
+    <p:sldId id="289" r:id="rId34"/>
+    <p:sldId id="290" r:id="rId35"/>
+    <p:sldId id="291" r:id="rId36"/>
+    <p:sldId id="292" r:id="rId37"/>
   </p:sldIdLst>
   <p:sldSz cx="12192000" cy="6858000"/>
   <p:notesSz cx="7103745" cy="10234295"/>
@@ -9558,6 +9564,22 @@
 <file path=ppt/slides/slide10.xml><?xml version="1.0" encoding="utf-8"?>
 <p:sld xmlns:a="http://schemas.openxmlformats.org/drawingml/2006/main" xmlns:r="http://schemas.openxmlformats.org/officeDocument/2006/relationships" xmlns:p="http://schemas.openxmlformats.org/presentationml/2006/main">
   <p:cSld>
+    <p:bg>
+      <p:bgPr>
+        <a:gradFill>
+          <a:gsLst>
+            <a:gs pos="0">
+              <a:srgbClr val="14CD68"/>
+            </a:gs>
+            <a:gs pos="100000">
+              <a:srgbClr val="035C7D"/>
+            </a:gs>
+          </a:gsLst>
+          <a:lin ang="5400000" scaled="0"/>
+        </a:gradFill>
+        <a:effectLst/>
+      </p:bgPr>
+    </p:bg>
     <p:spTree>
       <p:nvGrpSpPr>
         <p:cNvPr id="1" name=""/>
@@ -9572,50 +9594,170 @@
             <a:spLocks noGrp="1"/>
           </p:cNvSpPr>
           <p:nvPr>
-            <p:ph type="ctrTitle"/>
+            <p:ph type="title"/>
           </p:nvPr>
         </p:nvSpPr>
         <p:spPr/>
         <p:txBody>
-          <a:bodyPr>
-            <a:normAutofit/>
-          </a:bodyPr>
-          <a:p>
-            <a:r>
-              <a:rPr lang="en-US" altLang="zh-CN" sz="4800" b="0"/>
-              <a:t>Section3</a:t>
-            </a:r>
-            <a:endParaRPr lang="en-US" altLang="zh-CN" sz="4800" b="0"/>
+          <a:bodyPr/>
+          <a:p>
+            <a:pPr algn="ctr"/>
+            <a:r>
+              <a:rPr lang="en-US" altLang="zh-CN">
+                <a:ln/>
+                <a:solidFill>
+                  <a:schemeClr val="tx1"/>
+                </a:solidFill>
+                <a:effectLst>
+                  <a:outerShdw blurRad="38100" dist="19050" dir="2700000" algn="tl" rotWithShape="0">
+                    <a:schemeClr val="dk1">
+                      <a:alpha val="40000"/>
+                    </a:schemeClr>
+                  </a:outerShdw>
+                </a:effectLst>
+                <a:latin typeface="新宋体" panose="02010609030101010101" charset="-122"/>
+                <a:ea typeface="新宋体" panose="02010609030101010101" charset="-122"/>
+                <a:cs typeface="新宋体" panose="02010609030101010101" charset="-122"/>
+              </a:rPr>
+              <a:t>5.</a:t>
+            </a:r>
+            <a:r>
+              <a:rPr lang="zh-CN" altLang="zh-CN">
+                <a:ln/>
+                <a:solidFill>
+                  <a:schemeClr val="tx1"/>
+                </a:solidFill>
+                <a:effectLst>
+                  <a:outerShdw blurRad="38100" dist="19050" dir="2700000" algn="tl" rotWithShape="0">
+                    <a:schemeClr val="dk1">
+                      <a:alpha val="40000"/>
+                    </a:schemeClr>
+                  </a:outerShdw>
+                </a:effectLst>
+                <a:latin typeface="新宋体" panose="02010609030101010101" charset="-122"/>
+                <a:ea typeface="新宋体" panose="02010609030101010101" charset="-122"/>
+                <a:cs typeface="新宋体" panose="02010609030101010101" charset="-122"/>
+              </a:rPr>
+              <a:t>秘密团队（</a:t>
+            </a:r>
+            <a:r>
+              <a:rPr lang="en-US" altLang="zh-CN">
+                <a:ln/>
+                <a:solidFill>
+                  <a:schemeClr val="tx1"/>
+                </a:solidFill>
+                <a:effectLst>
+                  <a:outerShdw blurRad="38100" dist="19050" dir="2700000" algn="tl" rotWithShape="0">
+                    <a:schemeClr val="dk1">
+                      <a:alpha val="40000"/>
+                    </a:schemeClr>
+                  </a:outerShdw>
+                </a:effectLst>
+                <a:latin typeface="新宋体" panose="02010609030101010101" charset="-122"/>
+                <a:ea typeface="新宋体" panose="02010609030101010101" charset="-122"/>
+                <a:cs typeface="新宋体" panose="02010609030101010101" charset="-122"/>
+              </a:rPr>
+              <a:t>Skunk Work Team</a:t>
+            </a:r>
+            <a:r>
+              <a:rPr lang="zh-CN" altLang="zh-CN">
+                <a:ln/>
+                <a:solidFill>
+                  <a:schemeClr val="tx1"/>
+                </a:solidFill>
+                <a:effectLst>
+                  <a:outerShdw blurRad="38100" dist="19050" dir="2700000" algn="tl" rotWithShape="0">
+                    <a:schemeClr val="dk1">
+                      <a:alpha val="40000"/>
+                    </a:schemeClr>
+                  </a:outerShdw>
+                </a:effectLst>
+                <a:latin typeface="新宋体" panose="02010609030101010101" charset="-122"/>
+                <a:ea typeface="新宋体" panose="02010609030101010101" charset="-122"/>
+                <a:cs typeface="新宋体" panose="02010609030101010101" charset="-122"/>
+              </a:rPr>
+              <a:t>）</a:t>
+            </a:r>
+            <a:endParaRPr lang="zh-CN" altLang="zh-CN">
+              <a:ln/>
+              <a:solidFill>
+                <a:schemeClr val="tx1"/>
+              </a:solidFill>
+              <a:effectLst>
+                <a:outerShdw blurRad="38100" dist="19050" dir="2700000" algn="tl" rotWithShape="0">
+                  <a:schemeClr val="dk1">
+                    <a:alpha val="40000"/>
+                  </a:schemeClr>
+                </a:outerShdw>
+              </a:effectLst>
+              <a:latin typeface="新宋体" panose="02010609030101010101" charset="-122"/>
+              <a:ea typeface="新宋体" panose="02010609030101010101" charset="-122"/>
+              <a:cs typeface="新宋体" panose="02010609030101010101" charset="-122"/>
+            </a:endParaRPr>
           </a:p>
         </p:txBody>
       </p:sp>
       <p:sp>
         <p:nvSpPr>
-          <p:cNvPr id="3" name="副标题 2"/>
+          <p:cNvPr id="3" name="内容占位符 2"/>
           <p:cNvSpPr>
             <a:spLocks noGrp="1"/>
           </p:cNvSpPr>
           <p:nvPr>
-            <p:ph type="subTitle" idx="1"/>
+            <p:ph idx="1"/>
           </p:nvPr>
         </p:nvSpPr>
         <p:spPr/>
         <p:txBody>
-          <a:bodyPr>
-            <a:normAutofit fontScale="90000"/>
-          </a:bodyPr>
-          <a:p>
-            <a:pPr algn="l"/>
-            <a:r>
-              <a:rPr lang="zh-CN" altLang="en-US" sz="6600" b="1">
-                <a:latin typeface="+mj-ea"/>
-                <a:ea typeface="+mj-ea"/>
-              </a:rPr>
-              <a:t>开发流程</a:t>
-            </a:r>
-            <a:endParaRPr lang="zh-CN" altLang="en-US" sz="6600" b="1">
-              <a:latin typeface="+mj-ea"/>
-              <a:ea typeface="+mj-ea"/>
+          <a:bodyPr/>
+          <a:p>
+            <a:pPr marL="0" indent="0">
+              <a:lnSpc>
+                <a:spcPct val="100000"/>
+              </a:lnSpc>
+              <a:buNone/>
+            </a:pPr>
+            <a:r>
+              <a:rPr lang="zh-CN" altLang="en-US" sz="2800">
+                <a:latin typeface="楷体" panose="02010609060101010101" charset="-122"/>
+                <a:ea typeface="楷体" panose="02010609060101010101" charset="-122"/>
+              </a:rPr>
+              <a:t>一些软件项目在秘密状态下进行，外界人员不知道团队成员具体在做什么。很多创业团队就是这么做的。</a:t>
+            </a:r>
+            <a:endParaRPr lang="zh-CN" altLang="en-US" sz="2800">
+              <a:latin typeface="楷体" panose="02010609060101010101" charset="-122"/>
+              <a:ea typeface="楷体" panose="02010609060101010101" charset="-122"/>
+            </a:endParaRPr>
+          </a:p>
+          <a:p>
+            <a:pPr marL="0" indent="0">
+              <a:lnSpc>
+                <a:spcPct val="100000"/>
+              </a:lnSpc>
+              <a:buNone/>
+            </a:pPr>
+            <a:endParaRPr lang="zh-CN" altLang="en-US" sz="2800">
+              <a:latin typeface="楷体" panose="02010609060101010101" charset="-122"/>
+              <a:ea typeface="楷体" panose="02010609060101010101" charset="-122"/>
+            </a:endParaRPr>
+          </a:p>
+          <a:p>
+            <a:pPr marL="0" indent="0">
+              <a:lnSpc>
+                <a:spcPct val="100000"/>
+              </a:lnSpc>
+              <a:buNone/>
+            </a:pPr>
+            <a:r>
+              <a:rPr lang="zh-CN" altLang="en-US" sz="2800">
+                <a:latin typeface="楷体" panose="02010609060101010101" charset="-122"/>
+                <a:ea typeface="楷体" panose="02010609060101010101" charset="-122"/>
+              </a:rPr>
+              <a:t>这种模式的好处：团队内部自由度大，热情高，没有外界干扰比如定期汇报项目进展，听领导指示等。这种高自由度是团队的很大驱动力，团队往往能发挥很高的效率完成看似不可能的任务。</a:t>
+            </a:r>
+            <a:endParaRPr lang="zh-CN" altLang="en-US" sz="2800">
+              <a:latin typeface="楷体" panose="02010609060101010101" charset="-122"/>
+              <a:ea typeface="楷体" panose="02010609060101010101" charset="-122"/>
             </a:endParaRPr>
           </a:p>
         </p:txBody>
@@ -9659,6 +9801,116 @@
       <p:grpSpPr/>
       <p:sp>
         <p:nvSpPr>
+          <p:cNvPr id="2" name="标题 1"/>
+          <p:cNvSpPr>
+            <a:spLocks noGrp="1"/>
+          </p:cNvSpPr>
+          <p:nvPr>
+            <p:ph type="title"/>
+          </p:nvPr>
+        </p:nvSpPr>
+        <p:spPr/>
+        <p:txBody>
+          <a:bodyPr/>
+          <a:p>
+            <a:pPr algn="ctr"/>
+            <a:r>
+              <a:rPr lang="en-US" altLang="zh-CN">
+                <a:ln/>
+                <a:solidFill>
+                  <a:schemeClr val="tx1"/>
+                </a:solidFill>
+                <a:effectLst>
+                  <a:outerShdw blurRad="38100" dist="19050" dir="2700000" algn="tl" rotWithShape="0">
+                    <a:schemeClr val="dk1">
+                      <a:alpha val="40000"/>
+                    </a:schemeClr>
+                  </a:outerShdw>
+                </a:effectLst>
+                <a:latin typeface="新宋体" panose="02010609030101010101" charset="-122"/>
+                <a:ea typeface="新宋体" panose="02010609030101010101" charset="-122"/>
+                <a:cs typeface="新宋体" panose="02010609030101010101" charset="-122"/>
+              </a:rPr>
+              <a:t>6.</a:t>
+            </a:r>
+            <a:r>
+              <a:rPr lang="zh-CN" altLang="en-US">
+                <a:ln/>
+                <a:solidFill>
+                  <a:schemeClr val="tx1"/>
+                </a:solidFill>
+                <a:effectLst>
+                  <a:outerShdw blurRad="38100" dist="19050" dir="2700000" algn="tl" rotWithShape="0">
+                    <a:schemeClr val="dk1">
+                      <a:alpha val="40000"/>
+                    </a:schemeClr>
+                  </a:outerShdw>
+                </a:effectLst>
+                <a:latin typeface="新宋体" panose="02010609030101010101" charset="-122"/>
+                <a:ea typeface="新宋体" panose="02010609030101010101" charset="-122"/>
+                <a:cs typeface="新宋体" panose="02010609030101010101" charset="-122"/>
+              </a:rPr>
+              <a:t>特工团队（</a:t>
+            </a:r>
+            <a:r>
+              <a:rPr lang="en-US" altLang="zh-CN">
+                <a:ln/>
+                <a:solidFill>
+                  <a:schemeClr val="tx1"/>
+                </a:solidFill>
+                <a:effectLst>
+                  <a:outerShdw blurRad="38100" dist="19050" dir="2700000" algn="tl" rotWithShape="0">
+                    <a:schemeClr val="dk1">
+                      <a:alpha val="40000"/>
+                    </a:schemeClr>
+                  </a:outerShdw>
+                </a:effectLst>
+                <a:latin typeface="新宋体" panose="02010609030101010101" charset="-122"/>
+                <a:ea typeface="新宋体" panose="02010609030101010101" charset="-122"/>
+                <a:cs typeface="新宋体" panose="02010609030101010101" charset="-122"/>
+              </a:rPr>
+              <a:t>SWAT</a:t>
+            </a:r>
+            <a:r>
+              <a:rPr lang="zh-CN" altLang="en-US">
+                <a:ln/>
+                <a:solidFill>
+                  <a:schemeClr val="tx1"/>
+                </a:solidFill>
+                <a:effectLst>
+                  <a:outerShdw blurRad="38100" dist="19050" dir="2700000" algn="tl" rotWithShape="0">
+                    <a:schemeClr val="dk1">
+                      <a:alpha val="40000"/>
+                    </a:schemeClr>
+                  </a:outerShdw>
+                </a:effectLst>
+                <a:latin typeface="新宋体" panose="02010609030101010101" charset="-122"/>
+                <a:ea typeface="新宋体" panose="02010609030101010101" charset="-122"/>
+                <a:cs typeface="新宋体" panose="02010609030101010101" charset="-122"/>
+              </a:rPr>
+              <a:t>）</a:t>
+            </a:r>
+            <a:endParaRPr lang="zh-CN" altLang="en-US">
+              <a:ln/>
+              <a:solidFill>
+                <a:schemeClr val="tx1"/>
+              </a:solidFill>
+              <a:effectLst>
+                <a:outerShdw blurRad="38100" dist="19050" dir="2700000" algn="tl" rotWithShape="0">
+                  <a:schemeClr val="dk1">
+                    <a:alpha val="40000"/>
+                  </a:schemeClr>
+                </a:outerShdw>
+              </a:effectLst>
+              <a:latin typeface="新宋体" panose="02010609030101010101" charset="-122"/>
+              <a:ea typeface="新宋体" panose="02010609030101010101" charset="-122"/>
+              <a:cs typeface="新宋体" panose="02010609030101010101" charset="-122"/>
+            </a:endParaRPr>
+          </a:p>
+        </p:txBody>
+      </p:sp>
+      <p:sp>
+        <p:nvSpPr>
           <p:cNvPr id="3" name="内容占位符 2"/>
           <p:cNvSpPr>
             <a:spLocks noGrp="1"/>
@@ -9667,86 +9919,57 @@
             <p:ph idx="1"/>
           </p:nvPr>
         </p:nvSpPr>
-        <p:spPr>
-          <a:xfrm>
-            <a:off x="715010" y="1252855"/>
-            <a:ext cx="10515600" cy="4351338"/>
-          </a:xfrm>
-        </p:spPr>
+        <p:spPr/>
         <p:txBody>
           <a:bodyPr/>
           <a:p>
-            <a:pPr marL="0" indent="0" fontAlgn="auto">
+            <a:pPr marL="0" indent="0">
               <a:lnSpc>
-                <a:spcPct val="120000"/>
+                <a:spcPct val="100000"/>
               </a:lnSpc>
               <a:buNone/>
             </a:pPr>
             <a:r>
-              <a:rPr lang="zh-CN" altLang="en-US" sz="3200">
+              <a:rPr lang="zh-CN" altLang="en-US" sz="2800">
                 <a:latin typeface="楷体" panose="02010609060101010101" charset="-122"/>
                 <a:ea typeface="楷体" panose="02010609060101010101" charset="-122"/>
-                <a:cs typeface="楷体" panose="02010609060101010101" charset="-122"/>
-              </a:rPr>
-              <a:t>软件开发流程定义：我们在开发、运营、维护软件的过程中会有很多技术、做法、习惯和思想，软件工程把这些相关的技术和过程统一到一个体系中，叫做</a:t>
-            </a:r>
-            <a:r>
-              <a:rPr lang="en-US" altLang="zh-CN" sz="3200">
-                <a:latin typeface="楷体" panose="02010609060101010101" charset="-122"/>
-                <a:ea typeface="楷体" panose="02010609060101010101" charset="-122"/>
-                <a:cs typeface="楷体" panose="02010609060101010101" charset="-122"/>
-              </a:rPr>
-              <a:t>“</a:t>
-            </a:r>
-            <a:r>
-              <a:rPr lang="zh-CN" altLang="en-US" sz="3200">
-                <a:latin typeface="楷体" panose="02010609060101010101" charset="-122"/>
-                <a:ea typeface="楷体" panose="02010609060101010101" charset="-122"/>
-                <a:cs typeface="楷体" panose="02010609060101010101" charset="-122"/>
-              </a:rPr>
-              <a:t>软件开发流程</a:t>
-            </a:r>
-            <a:r>
-              <a:rPr lang="en-US" altLang="zh-CN" sz="3200">
-                <a:latin typeface="楷体" panose="02010609060101010101" charset="-122"/>
-                <a:ea typeface="楷体" panose="02010609060101010101" charset="-122"/>
-                <a:cs typeface="楷体" panose="02010609060101010101" charset="-122"/>
-              </a:rPr>
-              <a:t>”</a:t>
-            </a:r>
-            <a:r>
-              <a:rPr lang="zh-CN" altLang="en-US" sz="3200">
-                <a:latin typeface="楷体" panose="02010609060101010101" charset="-122"/>
-                <a:ea typeface="楷体" panose="02010609060101010101" charset="-122"/>
-                <a:cs typeface="楷体" panose="02010609060101010101" charset="-122"/>
-              </a:rPr>
-              <a:t>。</a:t>
-            </a:r>
-            <a:endParaRPr lang="zh-CN" altLang="en-US" sz="3200">
+              </a:rPr>
+              <a:t>一些软件团队需要由一些有特殊技能的人专业人士组成，负责解决很多棘手而又紧迫的问题。</a:t>
+            </a:r>
+            <a:endParaRPr lang="zh-CN" altLang="en-US" sz="2800">
               <a:latin typeface="楷体" panose="02010609060101010101" charset="-122"/>
               <a:ea typeface="楷体" panose="02010609060101010101" charset="-122"/>
-              <a:cs typeface="楷体" panose="02010609060101010101" charset="-122"/>
             </a:endParaRPr>
           </a:p>
           <a:p>
-            <a:pPr marL="0" indent="0" fontAlgn="auto">
+            <a:pPr marL="0" indent="0">
               <a:lnSpc>
-                <a:spcPct val="120000"/>
+                <a:spcPct val="100000"/>
               </a:lnSpc>
               <a:buNone/>
             </a:pPr>
-            <a:r>
-              <a:rPr lang="zh-CN" altLang="en-US" sz="3200">
+            <a:endParaRPr lang="zh-CN" altLang="en-US" sz="2800">
+              <a:latin typeface="楷体" panose="02010609060101010101" charset="-122"/>
+              <a:ea typeface="楷体" panose="02010609060101010101" charset="-122"/>
+            </a:endParaRPr>
+          </a:p>
+          <a:p>
+            <a:pPr marL="0" indent="0">
+              <a:lnSpc>
+                <a:spcPct val="100000"/>
+              </a:lnSpc>
+              <a:buNone/>
+            </a:pPr>
+            <a:r>
+              <a:rPr lang="zh-CN" altLang="en-US" sz="2800">
                 <a:latin typeface="楷体" panose="02010609060101010101" charset="-122"/>
                 <a:ea typeface="楷体" panose="02010609060101010101" charset="-122"/>
-                <a:cs typeface="楷体" panose="02010609060101010101" charset="-122"/>
-              </a:rPr>
-              <a:t>目的：为了提高软件开发、运营和维护的效率，以及提升用户满意度、软件可靠性和可维护性。</a:t>
-            </a:r>
-            <a:endParaRPr lang="zh-CN" altLang="en-US" sz="3200">
+              </a:rPr>
+              <a:t>特工团队能在某个领域达到精通甚至专家的地位，一出手就能解决难题，这对技术人员吸引力很高。</a:t>
+            </a:r>
+            <a:endParaRPr lang="zh-CN" altLang="en-US" sz="2800">
               <a:latin typeface="楷体" panose="02010609060101010101" charset="-122"/>
               <a:ea typeface="楷体" panose="02010609060101010101" charset="-122"/>
-              <a:cs typeface="楷体" panose="02010609060101010101" charset="-122"/>
             </a:endParaRPr>
           </a:p>
         </p:txBody>
@@ -9805,87 +10028,37 @@
             <a:pPr algn="ctr"/>
             <a:r>
               <a:rPr lang="en-US" altLang="zh-CN">
-                <a:solidFill>
-                  <a:schemeClr val="tx1"/>
-                </a:solidFill>
-                <a:effectLst>
-                  <a:outerShdw blurRad="38100" dist="19050" dir="2700000" algn="tl" rotWithShape="0">
-                    <a:schemeClr val="dk1">
-                      <a:alpha val="40000"/>
-                    </a:schemeClr>
-                  </a:outerShdw>
-                </a:effectLst>
                 <a:latin typeface="新宋体" panose="02010609030101010101" charset="-122"/>
                 <a:ea typeface="新宋体" panose="02010609030101010101" charset="-122"/>
                 <a:cs typeface="新宋体" panose="02010609030101010101" charset="-122"/>
               </a:rPr>
-              <a:t>1.</a:t>
-            </a:r>
-            <a:r>
-              <a:rPr lang="zh-CN" altLang="zh-CN">
-                <a:solidFill>
-                  <a:schemeClr val="tx1"/>
-                </a:solidFill>
-                <a:effectLst>
-                  <a:outerShdw blurRad="38100" dist="19050" dir="2700000" algn="tl" rotWithShape="0">
-                    <a:schemeClr val="dk1">
-                      <a:alpha val="40000"/>
-                    </a:schemeClr>
-                  </a:outerShdw>
-                </a:effectLst>
+              <a:t>7.</a:t>
+            </a:r>
+            <a:r>
+              <a:rPr lang="zh-CN" altLang="en-US">
                 <a:latin typeface="新宋体" panose="02010609030101010101" charset="-122"/>
                 <a:ea typeface="新宋体" panose="02010609030101010101" charset="-122"/>
                 <a:cs typeface="新宋体" panose="02010609030101010101" charset="-122"/>
               </a:rPr>
-              <a:t>写了再改模式（</a:t>
+              <a:t>交响乐团模式（</a:t>
             </a:r>
             <a:r>
               <a:rPr lang="en-US" altLang="zh-CN">
-                <a:solidFill>
-                  <a:schemeClr val="tx1"/>
-                </a:solidFill>
-                <a:effectLst>
-                  <a:outerShdw blurRad="38100" dist="19050" dir="2700000" algn="tl" rotWithShape="0">
-                    <a:schemeClr val="dk1">
-                      <a:alpha val="40000"/>
-                    </a:schemeClr>
-                  </a:outerShdw>
-                </a:effectLst>
                 <a:latin typeface="新宋体" panose="02010609030101010101" charset="-122"/>
                 <a:ea typeface="新宋体" panose="02010609030101010101" charset="-122"/>
                 <a:cs typeface="新宋体" panose="02010609030101010101" charset="-122"/>
               </a:rPr>
-              <a:t>Code-and-Fix</a:t>
-            </a:r>
-            <a:r>
-              <a:rPr lang="zh-CN" altLang="zh-CN">
-                <a:solidFill>
-                  <a:schemeClr val="tx1"/>
-                </a:solidFill>
-                <a:effectLst>
-                  <a:outerShdw blurRad="38100" dist="19050" dir="2700000" algn="tl" rotWithShape="0">
-                    <a:schemeClr val="dk1">
-                      <a:alpha val="40000"/>
-                    </a:schemeClr>
-                  </a:outerShdw>
-                </a:effectLst>
+              <a:t>Orchestra</a:t>
+            </a:r>
+            <a:r>
+              <a:rPr lang="zh-CN" altLang="en-US">
                 <a:latin typeface="新宋体" panose="02010609030101010101" charset="-122"/>
                 <a:ea typeface="新宋体" panose="02010609030101010101" charset="-122"/>
                 <a:cs typeface="新宋体" panose="02010609030101010101" charset="-122"/>
               </a:rPr>
               <a:t>）</a:t>
             </a:r>
-            <a:endParaRPr lang="zh-CN" altLang="zh-CN">
-              <a:solidFill>
-                <a:schemeClr val="tx1"/>
-              </a:solidFill>
-              <a:effectLst>
-                <a:outerShdw blurRad="38100" dist="19050" dir="2700000" algn="tl" rotWithShape="0">
-                  <a:schemeClr val="dk1">
-                    <a:alpha val="40000"/>
-                  </a:schemeClr>
-                </a:outerShdw>
-              </a:effectLst>
+            <a:endParaRPr lang="zh-CN" altLang="en-US">
               <a:latin typeface="新宋体" panose="02010609030101010101" charset="-122"/>
               <a:ea typeface="新宋体" panose="02010609030101010101" charset="-122"/>
               <a:cs typeface="新宋体" panose="02010609030101010101" charset="-122"/>
@@ -9909,105 +10082,233 @@
           <a:p>
             <a:pPr marL="0" indent="0">
               <a:lnSpc>
-                <a:spcPct val="120000"/>
+                <a:spcPct val="100000"/>
               </a:lnSpc>
-              <a:spcBef>
-                <a:spcPts val="1000"/>
-              </a:spcBef>
-              <a:spcAft>
-                <a:spcPts val="0"/>
-              </a:spcAft>
               <a:buNone/>
             </a:pPr>
             <a:r>
-              <a:rPr lang="zh-CN" altLang="en-US" sz="3200">
+              <a:rPr lang="zh-CN" altLang="en-US">
                 <a:latin typeface="楷体" panose="02010609060101010101" charset="-122"/>
                 <a:ea typeface="楷体" panose="02010609060101010101" charset="-122"/>
               </a:rPr>
-              <a:t>和软件团队的一窝蜂模式很像，不需要太多相关知识和其他准备，大家上来就写代码，写出来最好，写不出来就改，也许能改好。</a:t>
-            </a:r>
-            <a:endParaRPr lang="zh-CN" altLang="en-US" sz="3200">
+              <a:t>交响乐团的演奏的特点：</a:t>
+            </a:r>
+            <a:endParaRPr lang="zh-CN" altLang="en-US">
               <a:latin typeface="楷体" panose="02010609060101010101" charset="-122"/>
               <a:ea typeface="楷体" panose="02010609060101010101" charset="-122"/>
             </a:endParaRPr>
           </a:p>
           <a:p>
+            <a:pPr>
+              <a:lnSpc>
+                <a:spcPct val="100000"/>
+              </a:lnSpc>
+            </a:pPr>
+            <a:r>
+              <a:rPr lang="zh-CN" altLang="en-US">
+                <a:latin typeface="楷体" panose="02010609060101010101" charset="-122"/>
+                <a:ea typeface="楷体" panose="02010609060101010101" charset="-122"/>
+              </a:rPr>
+              <a:t>设备多、齐全。</a:t>
+            </a:r>
+            <a:endParaRPr lang="zh-CN" altLang="en-US">
+              <a:latin typeface="楷体" panose="02010609060101010101" charset="-122"/>
+              <a:ea typeface="楷体" panose="02010609060101010101" charset="-122"/>
+            </a:endParaRPr>
+          </a:p>
+          <a:p>
+            <a:pPr>
+              <a:lnSpc>
+                <a:spcPct val="100000"/>
+              </a:lnSpc>
+            </a:pPr>
+            <a:r>
+              <a:rPr lang="zh-CN" altLang="en-US">
+                <a:latin typeface="楷体" panose="02010609060101010101" charset="-122"/>
+                <a:ea typeface="楷体" panose="02010609060101010101" charset="-122"/>
+              </a:rPr>
+              <a:t>成员各司其职，有各自的专门场地，演奏期间没有聊天、走动等现象。</a:t>
+            </a:r>
+            <a:endParaRPr lang="zh-CN" altLang="en-US">
+              <a:latin typeface="楷体" panose="02010609060101010101" charset="-122"/>
+              <a:ea typeface="楷体" panose="02010609060101010101" charset="-122"/>
+            </a:endParaRPr>
+          </a:p>
+          <a:p>
+            <a:pPr>
+              <a:lnSpc>
+                <a:spcPct val="100000"/>
+              </a:lnSpc>
+            </a:pPr>
+            <a:r>
+              <a:rPr lang="zh-CN" altLang="en-US">
+                <a:latin typeface="楷体" panose="02010609060101010101" charset="-122"/>
+                <a:ea typeface="楷体" panose="02010609060101010101" charset="-122"/>
+              </a:rPr>
+              <a:t>演奏看乐谱和指挥。</a:t>
+            </a:r>
+            <a:endParaRPr lang="zh-CN" altLang="en-US">
+              <a:latin typeface="楷体" panose="02010609060101010101" charset="-122"/>
+              <a:ea typeface="楷体" panose="02010609060101010101" charset="-122"/>
+            </a:endParaRPr>
+          </a:p>
+          <a:p>
+            <a:pPr>
+              <a:lnSpc>
+                <a:spcPct val="100000"/>
+              </a:lnSpc>
+            </a:pPr>
+            <a:r>
+              <a:rPr lang="zh-CN" altLang="en-US">
+                <a:latin typeface="楷体" panose="02010609060101010101" charset="-122"/>
+                <a:ea typeface="楷体" panose="02010609060101010101" charset="-122"/>
+              </a:rPr>
+              <a:t>演奏的都是反复练习过很多遍的曲目。</a:t>
+            </a:r>
+            <a:endParaRPr lang="zh-CN" altLang="en-US">
+              <a:latin typeface="楷体" panose="02010609060101010101" charset="-122"/>
+              <a:ea typeface="楷体" panose="02010609060101010101" charset="-122"/>
+            </a:endParaRPr>
+          </a:p>
+          <a:p>
+            <a:pPr>
+              <a:lnSpc>
+                <a:spcPct val="100000"/>
+              </a:lnSpc>
+              <a:buNone/>
+            </a:pPr>
+            <a:endParaRPr lang="zh-CN" altLang="en-US">
+              <a:latin typeface="楷体" panose="02010609060101010101" charset="-122"/>
+              <a:ea typeface="楷体" panose="02010609060101010101" charset="-122"/>
+            </a:endParaRPr>
+          </a:p>
+          <a:p>
             <a:pPr marL="0" indent="0">
               <a:lnSpc>
-                <a:spcPct val="120000"/>
+                <a:spcPct val="100000"/>
               </a:lnSpc>
-              <a:spcBef>
-                <a:spcPts val="1000"/>
-              </a:spcBef>
-              <a:spcAft>
-                <a:spcPts val="0"/>
-              </a:spcAft>
               <a:buNone/>
             </a:pPr>
             <a:r>
-              <a:rPr lang="zh-CN" altLang="en-US" sz="3200">
+              <a:rPr lang="zh-CN" altLang="en-US">
                 <a:latin typeface="楷体" panose="02010609060101010101" charset="-122"/>
                 <a:ea typeface="楷体" panose="02010609060101010101" charset="-122"/>
               </a:rPr>
-              <a:t>对于临时性的程序或原型（</a:t>
-            </a:r>
-            <a:r>
-              <a:rPr lang="en-US" altLang="zh-CN" sz="3200">
+              <a:t>当某个软件领域处于稳定成长阶段时，众多开发团队就会采用这种模式，比如</a:t>
+            </a:r>
+            <a:r>
+              <a:rPr lang="en-US" altLang="zh-CN">
                 <a:latin typeface="楷体" panose="02010609060101010101" charset="-122"/>
                 <a:ea typeface="楷体" panose="02010609060101010101" charset="-122"/>
               </a:rPr>
-              <a:t>“</a:t>
-            </a:r>
-            <a:r>
-              <a:rPr lang="zh-CN" altLang="en-US" sz="3200">
+              <a:t>Office</a:t>
+            </a:r>
+            <a:r>
+              <a:rPr lang="zh-CN" altLang="en-US">
                 <a:latin typeface="楷体" panose="02010609060101010101" charset="-122"/>
                 <a:ea typeface="楷体" panose="02010609060101010101" charset="-122"/>
               </a:rPr>
-              <a:t>只用一次</a:t>
-            </a:r>
-            <a:r>
-              <a:rPr lang="en-US" altLang="zh-CN" sz="3200">
+              <a:t>产品（</a:t>
+            </a:r>
+            <a:r>
+              <a:rPr lang="en-US" altLang="zh-CN">
                 <a:latin typeface="楷体" panose="02010609060101010101" charset="-122"/>
                 <a:ea typeface="楷体" panose="02010609060101010101" charset="-122"/>
               </a:rPr>
-              <a:t>”</a:t>
-            </a:r>
-            <a:r>
-              <a:rPr lang="zh-CN" altLang="en-US" sz="3200">
+              <a:t>97</a:t>
+            </a:r>
+            <a:r>
+              <a:rPr lang="zh-CN" altLang="en-US">
                 <a:latin typeface="楷体" panose="02010609060101010101" charset="-122"/>
                 <a:ea typeface="楷体" panose="02010609060101010101" charset="-122"/>
               </a:rPr>
-              <a:t>、</a:t>
-            </a:r>
-            <a:r>
-              <a:rPr lang="en-US" altLang="zh-CN" sz="3200">
+              <a:t>，</a:t>
+            </a:r>
+            <a:r>
+              <a:rPr lang="en-US" altLang="zh-CN">
                 <a:latin typeface="楷体" panose="02010609060101010101" charset="-122"/>
                 <a:ea typeface="楷体" panose="02010609060101010101" charset="-122"/>
               </a:rPr>
-              <a:t>“</a:t>
-            </a:r>
-            <a:r>
-              <a:rPr lang="zh-CN" altLang="en-US" sz="3200">
+              <a:t>2000</a:t>
+            </a:r>
+            <a:r>
+              <a:rPr lang="zh-CN" altLang="en-US">
                 <a:latin typeface="楷体" panose="02010609060101010101" charset="-122"/>
                 <a:ea typeface="楷体" panose="02010609060101010101" charset="-122"/>
               </a:rPr>
-              <a:t>看过了即作废</a:t>
-            </a:r>
-            <a:r>
-              <a:rPr lang="en-US" altLang="zh-CN" sz="3200">
+              <a:t>，</a:t>
+            </a:r>
+            <a:r>
+              <a:rPr lang="en-US" altLang="zh-CN">
                 <a:latin typeface="楷体" panose="02010609060101010101" charset="-122"/>
                 <a:ea typeface="楷体" panose="02010609060101010101" charset="-122"/>
               </a:rPr>
-              <a:t>”</a:t>
-            </a:r>
-            <a:r>
-              <a:rPr lang="zh-CN" altLang="en-US" sz="3200">
+              <a:t>XP</a:t>
+            </a:r>
+            <a:r>
+              <a:rPr lang="zh-CN" altLang="en-US">
                 <a:latin typeface="楷体" panose="02010609060101010101" charset="-122"/>
                 <a:ea typeface="楷体" panose="02010609060101010101" charset="-122"/>
               </a:rPr>
-              <a:t>），这种模式很方便；然而对于有很多实际用户、解决实际需求的软件，这种模式很明显不适合。</a:t>
-            </a:r>
-            <a:endParaRPr lang="zh-CN" altLang="en-US" sz="3200">
+              <a:t>，</a:t>
+            </a:r>
+            <a:r>
+              <a:rPr lang="en-US" altLang="zh-CN">
+                <a:latin typeface="楷体" panose="02010609060101010101" charset="-122"/>
+                <a:ea typeface="楷体" panose="02010609060101010101" charset="-122"/>
+              </a:rPr>
+              <a:t>2003</a:t>
+            </a:r>
+            <a:r>
+              <a:rPr lang="zh-CN" altLang="en-US">
+                <a:latin typeface="楷体" panose="02010609060101010101" charset="-122"/>
+                <a:ea typeface="楷体" panose="02010609060101010101" charset="-122"/>
+              </a:rPr>
+              <a:t>，</a:t>
+            </a:r>
+            <a:r>
+              <a:rPr lang="en-US" altLang="zh-CN">
+                <a:latin typeface="楷体" panose="02010609060101010101" charset="-122"/>
+                <a:ea typeface="楷体" panose="02010609060101010101" charset="-122"/>
+              </a:rPr>
+              <a:t>2007</a:t>
+            </a:r>
+            <a:r>
+              <a:rPr lang="zh-CN" altLang="en-US">
+                <a:latin typeface="楷体" panose="02010609060101010101" charset="-122"/>
+                <a:ea typeface="楷体" panose="02010609060101010101" charset="-122"/>
+              </a:rPr>
+              <a:t>，</a:t>
+            </a:r>
+            <a:r>
+              <a:rPr lang="en-US" altLang="zh-CN">
+                <a:latin typeface="楷体" panose="02010609060101010101" charset="-122"/>
+                <a:ea typeface="楷体" panose="02010609060101010101" charset="-122"/>
+              </a:rPr>
+              <a:t>2011</a:t>
+            </a:r>
+            <a:r>
+              <a:rPr lang="zh-CN" altLang="en-US">
+                <a:latin typeface="楷体" panose="02010609060101010101" charset="-122"/>
+                <a:ea typeface="楷体" panose="02010609060101010101" charset="-122"/>
+              </a:rPr>
+              <a:t>，</a:t>
+            </a:r>
+            <a:r>
+              <a:rPr lang="en-US" altLang="zh-CN">
+                <a:latin typeface="楷体" panose="02010609060101010101" charset="-122"/>
+                <a:ea typeface="楷体" panose="02010609060101010101" charset="-122"/>
+              </a:rPr>
+              <a:t>2013...</a:t>
+            </a:r>
+            <a:r>
+              <a:rPr lang="zh-CN" altLang="en-US">
+                <a:latin typeface="楷体" panose="02010609060101010101" charset="-122"/>
+                <a:ea typeface="楷体" panose="02010609060101010101" charset="-122"/>
+              </a:rPr>
+              <a:t>）。</a:t>
+            </a:r>
+            <a:endParaRPr lang="zh-CN" altLang="en-US">
               <a:latin typeface="楷体" panose="02010609060101010101" charset="-122"/>
               <a:ea typeface="楷体" panose="02010609060101010101" charset="-122"/>
             </a:endParaRPr>
@@ -10063,6 +10364,1226 @@
         </p:nvSpPr>
         <p:spPr/>
         <p:txBody>
+          <a:bodyPr/>
+          <a:p>
+            <a:pPr algn="ctr"/>
+            <a:r>
+              <a:rPr lang="en-US" altLang="zh-CN">
+                <a:ln/>
+                <a:solidFill>
+                  <a:schemeClr val="tx1"/>
+                </a:solidFill>
+                <a:effectLst>
+                  <a:outerShdw blurRad="38100" dist="19050" dir="2700000" algn="tl" rotWithShape="0">
+                    <a:schemeClr val="dk1">
+                      <a:alpha val="40000"/>
+                    </a:schemeClr>
+                  </a:outerShdw>
+                </a:effectLst>
+                <a:latin typeface="新宋体" panose="02010609030101010101" charset="-122"/>
+                <a:ea typeface="新宋体" panose="02010609030101010101" charset="-122"/>
+                <a:cs typeface="新宋体" panose="02010609030101010101" charset="-122"/>
+              </a:rPr>
+              <a:t>8.</a:t>
+            </a:r>
+            <a:r>
+              <a:rPr lang="zh-CN" altLang="zh-CN">
+                <a:ln/>
+                <a:solidFill>
+                  <a:schemeClr val="tx1"/>
+                </a:solidFill>
+                <a:effectLst>
+                  <a:outerShdw blurRad="38100" dist="19050" dir="2700000" algn="tl" rotWithShape="0">
+                    <a:schemeClr val="dk1">
+                      <a:alpha val="40000"/>
+                    </a:schemeClr>
+                  </a:outerShdw>
+                </a:effectLst>
+                <a:latin typeface="新宋体" panose="02010609030101010101" charset="-122"/>
+                <a:ea typeface="新宋体" panose="02010609030101010101" charset="-122"/>
+                <a:cs typeface="新宋体" panose="02010609030101010101" charset="-122"/>
+              </a:rPr>
+              <a:t>爵士乐模式（</a:t>
+            </a:r>
+            <a:r>
+              <a:rPr lang="en-US" altLang="zh-CN">
+                <a:ln/>
+                <a:solidFill>
+                  <a:schemeClr val="tx1"/>
+                </a:solidFill>
+                <a:effectLst>
+                  <a:outerShdw blurRad="38100" dist="19050" dir="2700000" algn="tl" rotWithShape="0">
+                    <a:schemeClr val="dk1">
+                      <a:alpha val="40000"/>
+                    </a:schemeClr>
+                  </a:outerShdw>
+                </a:effectLst>
+                <a:latin typeface="新宋体" panose="02010609030101010101" charset="-122"/>
+                <a:ea typeface="新宋体" panose="02010609030101010101" charset="-122"/>
+                <a:cs typeface="新宋体" panose="02010609030101010101" charset="-122"/>
+              </a:rPr>
+              <a:t>Jazz Band</a:t>
+            </a:r>
+            <a:r>
+              <a:rPr lang="zh-CN" altLang="zh-CN">
+                <a:ln/>
+                <a:solidFill>
+                  <a:schemeClr val="tx1"/>
+                </a:solidFill>
+                <a:effectLst>
+                  <a:outerShdw blurRad="38100" dist="19050" dir="2700000" algn="tl" rotWithShape="0">
+                    <a:schemeClr val="dk1">
+                      <a:alpha val="40000"/>
+                    </a:schemeClr>
+                  </a:outerShdw>
+                </a:effectLst>
+                <a:latin typeface="新宋体" panose="02010609030101010101" charset="-122"/>
+                <a:ea typeface="新宋体" panose="02010609030101010101" charset="-122"/>
+                <a:cs typeface="新宋体" panose="02010609030101010101" charset="-122"/>
+              </a:rPr>
+              <a:t>）</a:t>
+            </a:r>
+            <a:endParaRPr lang="zh-CN" altLang="zh-CN">
+              <a:ln/>
+              <a:solidFill>
+                <a:schemeClr val="tx1"/>
+              </a:solidFill>
+              <a:effectLst>
+                <a:outerShdw blurRad="38100" dist="19050" dir="2700000" algn="tl" rotWithShape="0">
+                  <a:schemeClr val="dk1">
+                    <a:alpha val="40000"/>
+                  </a:schemeClr>
+                </a:outerShdw>
+              </a:effectLst>
+              <a:latin typeface="新宋体" panose="02010609030101010101" charset="-122"/>
+              <a:ea typeface="新宋体" panose="02010609030101010101" charset="-122"/>
+              <a:cs typeface="新宋体" panose="02010609030101010101" charset="-122"/>
+            </a:endParaRPr>
+          </a:p>
+        </p:txBody>
+      </p:sp>
+      <p:sp>
+        <p:nvSpPr>
+          <p:cNvPr id="3" name="内容占位符 2"/>
+          <p:cNvSpPr>
+            <a:spLocks noGrp="1"/>
+          </p:cNvSpPr>
+          <p:nvPr>
+            <p:ph idx="1"/>
+          </p:nvPr>
+        </p:nvSpPr>
+        <p:spPr/>
+        <p:txBody>
+          <a:bodyPr/>
+          <a:p>
+            <a:pPr marL="0" indent="0">
+              <a:lnSpc>
+                <a:spcPct val="100000"/>
+              </a:lnSpc>
+              <a:buNone/>
+            </a:pPr>
+            <a:r>
+              <a:rPr lang="zh-CN" altLang="en-US">
+                <a:latin typeface="楷体" panose="02010609060101010101" charset="-122"/>
+                <a:ea typeface="楷体" panose="02010609060101010101" charset="-122"/>
+              </a:rPr>
+              <a:t>和交响乐团模式形成鲜明对比：</a:t>
+            </a:r>
+            <a:endParaRPr lang="zh-CN" altLang="en-US">
+              <a:latin typeface="楷体" panose="02010609060101010101" charset="-122"/>
+              <a:ea typeface="楷体" panose="02010609060101010101" charset="-122"/>
+            </a:endParaRPr>
+          </a:p>
+          <a:p>
+            <a:pPr>
+              <a:lnSpc>
+                <a:spcPct val="100000"/>
+              </a:lnSpc>
+            </a:pPr>
+            <a:r>
+              <a:rPr lang="zh-CN" altLang="en-US">
+                <a:latin typeface="楷体" panose="02010609060101010101" charset="-122"/>
+                <a:ea typeface="楷体" panose="02010609060101010101" charset="-122"/>
+                <a:sym typeface="+mn-ea"/>
+              </a:rPr>
+              <a:t>乐队领导先吹主题，然后成员</a:t>
+            </a:r>
+            <a:r>
+              <a:rPr lang="zh-CN" altLang="en-US">
+                <a:latin typeface="楷体" panose="02010609060101010101" charset="-122"/>
+                <a:ea typeface="楷体" panose="02010609060101010101" charset="-122"/>
+              </a:rPr>
+              <a:t>演奏时</a:t>
+            </a:r>
+            <a:r>
+              <a:rPr lang="zh-CN" altLang="en-US">
+                <a:latin typeface="楷体" panose="02010609060101010101" charset="-122"/>
+                <a:ea typeface="楷体" panose="02010609060101010101" charset="-122"/>
+                <a:sym typeface="+mn-ea"/>
+              </a:rPr>
+              <a:t>根据这个主题</a:t>
+            </a:r>
+            <a:r>
+              <a:rPr lang="zh-CN" altLang="en-US">
+                <a:latin typeface="楷体" panose="02010609060101010101" charset="-122"/>
+                <a:ea typeface="楷体" panose="02010609060101010101" charset="-122"/>
+              </a:rPr>
+              <a:t>即兴发挥，没有乐谱，最后领导回应主题，总结曲目</a:t>
+            </a:r>
+            <a:r>
+              <a:rPr lang="zh-CN" altLang="en-US">
+                <a:latin typeface="楷体" panose="02010609060101010101" charset="-122"/>
+                <a:ea typeface="楷体" panose="02010609060101010101" charset="-122"/>
+              </a:rPr>
+              <a:t>。</a:t>
+            </a:r>
+            <a:endParaRPr lang="zh-CN" altLang="en-US">
+              <a:latin typeface="楷体" panose="02010609060101010101" charset="-122"/>
+              <a:ea typeface="楷体" panose="02010609060101010101" charset="-122"/>
+            </a:endParaRPr>
+          </a:p>
+          <a:p>
+            <a:pPr>
+              <a:lnSpc>
+                <a:spcPct val="100000"/>
+              </a:lnSpc>
+            </a:pPr>
+            <a:r>
+              <a:rPr lang="zh-CN" altLang="en-US">
+                <a:latin typeface="楷体" panose="02010609060101010101" charset="-122"/>
+                <a:ea typeface="楷体" panose="02010609060101010101" charset="-122"/>
+              </a:rPr>
+              <a:t>没有现场</a:t>
+            </a:r>
+            <a:r>
+              <a:rPr lang="zh-CN" altLang="en-US">
+                <a:latin typeface="楷体" panose="02010609060101010101" charset="-122"/>
+                <a:ea typeface="楷体" panose="02010609060101010101" charset="-122"/>
+              </a:rPr>
+              <a:t>指挥，平时有编曲者协调、指导团队。</a:t>
+            </a:r>
+            <a:endParaRPr lang="zh-CN" altLang="en-US">
+              <a:latin typeface="楷体" panose="02010609060101010101" charset="-122"/>
+              <a:ea typeface="楷体" panose="02010609060101010101" charset="-122"/>
+            </a:endParaRPr>
+          </a:p>
+          <a:p>
+            <a:pPr>
+              <a:lnSpc>
+                <a:spcPct val="100000"/>
+              </a:lnSpc>
+            </a:pPr>
+            <a:r>
+              <a:rPr lang="zh-CN" altLang="en-US">
+                <a:latin typeface="楷体" panose="02010609060101010101" charset="-122"/>
+                <a:ea typeface="楷体" panose="02010609060101010101" charset="-122"/>
+              </a:rPr>
+              <a:t>团队成员</a:t>
+            </a:r>
+            <a:r>
+              <a:rPr lang="zh-CN" altLang="en-US">
+                <a:latin typeface="楷体" panose="02010609060101010101" charset="-122"/>
+                <a:ea typeface="楷体" panose="02010609060101010101" charset="-122"/>
+              </a:rPr>
+              <a:t>少。</a:t>
+            </a:r>
+            <a:endParaRPr lang="zh-CN" altLang="en-US">
+              <a:latin typeface="楷体" panose="02010609060101010101" charset="-122"/>
+              <a:ea typeface="楷体" panose="02010609060101010101" charset="-122"/>
+            </a:endParaRPr>
+          </a:p>
+          <a:p>
+            <a:pPr>
+              <a:lnSpc>
+                <a:spcPct val="100000"/>
+              </a:lnSpc>
+            </a:pPr>
+            <a:endParaRPr lang="zh-CN" altLang="en-US">
+              <a:latin typeface="楷体" panose="02010609060101010101" charset="-122"/>
+              <a:ea typeface="楷体" panose="02010609060101010101" charset="-122"/>
+            </a:endParaRPr>
+          </a:p>
+          <a:p>
+            <a:pPr marL="0" indent="0">
+              <a:lnSpc>
+                <a:spcPct val="100000"/>
+              </a:lnSpc>
+              <a:buNone/>
+            </a:pPr>
+            <a:r>
+              <a:rPr lang="zh-CN" altLang="en-US">
+                <a:latin typeface="楷体" panose="02010609060101010101" charset="-122"/>
+                <a:ea typeface="楷体" panose="02010609060101010101" charset="-122"/>
+              </a:rPr>
+              <a:t>这种模式类似敏捷开发模式，它强调个性化的表达，强有力的互动，对变化的内容给予有创意的回应。</a:t>
+            </a:r>
+            <a:endParaRPr lang="zh-CN" altLang="en-US">
+              <a:latin typeface="楷体" panose="02010609060101010101" charset="-122"/>
+              <a:ea typeface="楷体" panose="02010609060101010101" charset="-122"/>
+            </a:endParaRPr>
+          </a:p>
+        </p:txBody>
+      </p:sp>
+    </p:spTree>
+    <p:custDataLst>
+      <p:tags r:id="rId1"/>
+    </p:custDataLst>
+  </p:cSld>
+  <p:clrMapOvr>
+    <a:masterClrMapping/>
+  </p:clrMapOvr>
+</p:sld>
+</file>
+
+<file path=ppt/slides/slide14.xml><?xml version="1.0" encoding="utf-8"?>
+<p:sld xmlns:a="http://schemas.openxmlformats.org/drawingml/2006/main" xmlns:r="http://schemas.openxmlformats.org/officeDocument/2006/relationships" xmlns:p="http://schemas.openxmlformats.org/presentationml/2006/main">
+  <p:cSld>
+    <p:bg>
+      <p:bgPr>
+        <a:gradFill>
+          <a:gsLst>
+            <a:gs pos="0">
+              <a:srgbClr val="14CD68"/>
+            </a:gs>
+            <a:gs pos="100000">
+              <a:srgbClr val="035C7D"/>
+            </a:gs>
+          </a:gsLst>
+          <a:lin ang="5400000" scaled="0"/>
+        </a:gradFill>
+        <a:effectLst/>
+      </p:bgPr>
+    </p:bg>
+    <p:spTree>
+      <p:nvGrpSpPr>
+        <p:cNvPr id="1" name=""/>
+        <p:cNvGrpSpPr/>
+        <p:nvPr/>
+      </p:nvGrpSpPr>
+      <p:grpSpPr/>
+      <p:sp>
+        <p:nvSpPr>
+          <p:cNvPr id="2" name="标题 1"/>
+          <p:cNvSpPr>
+            <a:spLocks noGrp="1"/>
+          </p:cNvSpPr>
+          <p:nvPr>
+            <p:ph type="title"/>
+          </p:nvPr>
+        </p:nvSpPr>
+        <p:spPr/>
+        <p:txBody>
+          <a:bodyPr/>
+          <a:p>
+            <a:pPr algn="ctr"/>
+            <a:r>
+              <a:rPr lang="en-US" altLang="zh-CN">
+                <a:latin typeface="新宋体" panose="02010609030101010101" charset="-122"/>
+                <a:ea typeface="新宋体" panose="02010609030101010101" charset="-122"/>
+              </a:rPr>
+              <a:t>9.</a:t>
+            </a:r>
+            <a:r>
+              <a:rPr lang="zh-CN" altLang="en-US">
+                <a:latin typeface="新宋体" panose="02010609030101010101" charset="-122"/>
+                <a:ea typeface="新宋体" panose="02010609030101010101" charset="-122"/>
+              </a:rPr>
+              <a:t>功能团队模式（</a:t>
+            </a:r>
+            <a:r>
+              <a:rPr lang="en-US" altLang="zh-CN">
+                <a:latin typeface="新宋体" panose="02010609030101010101" charset="-122"/>
+                <a:ea typeface="新宋体" panose="02010609030101010101" charset="-122"/>
+              </a:rPr>
+              <a:t>Feature Team</a:t>
+            </a:r>
+            <a:r>
+              <a:rPr lang="zh-CN" altLang="en-US">
+                <a:latin typeface="新宋体" panose="02010609030101010101" charset="-122"/>
+                <a:ea typeface="新宋体" panose="02010609030101010101" charset="-122"/>
+              </a:rPr>
+              <a:t>）</a:t>
+            </a:r>
+            <a:endParaRPr lang="zh-CN" altLang="en-US">
+              <a:latin typeface="新宋体" panose="02010609030101010101" charset="-122"/>
+              <a:ea typeface="新宋体" panose="02010609030101010101" charset="-122"/>
+            </a:endParaRPr>
+          </a:p>
+        </p:txBody>
+      </p:sp>
+      <p:sp>
+        <p:nvSpPr>
+          <p:cNvPr id="3" name="内容占位符 2"/>
+          <p:cNvSpPr>
+            <a:spLocks noGrp="1"/>
+          </p:cNvSpPr>
+          <p:nvPr>
+            <p:ph idx="1"/>
+          </p:nvPr>
+        </p:nvSpPr>
+        <p:spPr/>
+        <p:txBody>
+          <a:bodyPr/>
+          <a:p>
+            <a:pPr marL="0" indent="0">
+              <a:lnSpc>
+                <a:spcPct val="100000"/>
+              </a:lnSpc>
+              <a:buNone/>
+            </a:pPr>
+            <a:r>
+              <a:rPr lang="zh-CN" altLang="zh-CN" sz="2800">
+                <a:latin typeface="楷体" panose="02010609060101010101" charset="-122"/>
+                <a:ea typeface="楷体" panose="02010609060101010101" charset="-122"/>
+              </a:rPr>
+              <a:t>具备不同能力的成员们平等协作，共同完成一个功能。这个功能完成以后，这些人又重新组织，和其他人一起完成下一个功能。成员之间没有管理与被管理的关系。</a:t>
+            </a:r>
+            <a:endParaRPr lang="zh-CN" altLang="zh-CN" sz="2800">
+              <a:latin typeface="楷体" panose="02010609060101010101" charset="-122"/>
+              <a:ea typeface="楷体" panose="02010609060101010101" charset="-122"/>
+            </a:endParaRPr>
+          </a:p>
+          <a:p>
+            <a:pPr marL="0" indent="0">
+              <a:lnSpc>
+                <a:spcPct val="100000"/>
+              </a:lnSpc>
+              <a:buNone/>
+            </a:pPr>
+            <a:endParaRPr lang="zh-CN" altLang="zh-CN" sz="2800">
+              <a:latin typeface="楷体" panose="02010609060101010101" charset="-122"/>
+              <a:ea typeface="楷体" panose="02010609060101010101" charset="-122"/>
+            </a:endParaRPr>
+          </a:p>
+          <a:p>
+            <a:pPr marL="0" indent="0">
+              <a:lnSpc>
+                <a:spcPct val="100000"/>
+              </a:lnSpc>
+              <a:buNone/>
+            </a:pPr>
+            <a:r>
+              <a:rPr lang="zh-CN" altLang="zh-CN" sz="2800">
+                <a:latin typeface="楷体" panose="02010609060101010101" charset="-122"/>
+                <a:ea typeface="楷体" panose="02010609060101010101" charset="-122"/>
+              </a:rPr>
+              <a:t>大型软件公司不少团队用这种模式。团队成员形式上平等，自由度高且工作方式灵活，但在很多问题上，比如编程规范，需要有一致的规定。</a:t>
+            </a:r>
+            <a:endParaRPr lang="zh-CN" altLang="zh-CN" sz="2800">
+              <a:latin typeface="楷体" panose="02010609060101010101" charset="-122"/>
+              <a:ea typeface="楷体" panose="02010609060101010101" charset="-122"/>
+            </a:endParaRPr>
+          </a:p>
+        </p:txBody>
+      </p:sp>
+    </p:spTree>
+    <p:custDataLst>
+      <p:tags r:id="rId1"/>
+    </p:custDataLst>
+  </p:cSld>
+  <p:clrMapOvr>
+    <a:masterClrMapping/>
+  </p:clrMapOvr>
+</p:sld>
+</file>
+
+<file path=ppt/slides/slide15.xml><?xml version="1.0" encoding="utf-8"?>
+<p:sld xmlns:a="http://schemas.openxmlformats.org/drawingml/2006/main" xmlns:r="http://schemas.openxmlformats.org/officeDocument/2006/relationships" xmlns:p="http://schemas.openxmlformats.org/presentationml/2006/main">
+  <p:cSld>
+    <p:bg>
+      <p:bgPr>
+        <a:gradFill>
+          <a:gsLst>
+            <a:gs pos="0">
+              <a:srgbClr val="14CD68"/>
+            </a:gs>
+            <a:gs pos="100000">
+              <a:srgbClr val="035C7D"/>
+            </a:gs>
+          </a:gsLst>
+          <a:lin ang="5400000" scaled="0"/>
+        </a:gradFill>
+        <a:effectLst/>
+      </p:bgPr>
+    </p:bg>
+    <p:spTree>
+      <p:nvGrpSpPr>
+        <p:cNvPr id="1" name=""/>
+        <p:cNvGrpSpPr/>
+        <p:nvPr/>
+      </p:nvGrpSpPr>
+      <p:grpSpPr/>
+      <p:sp>
+        <p:nvSpPr>
+          <p:cNvPr id="2" name="标题 1"/>
+          <p:cNvSpPr>
+            <a:spLocks noGrp="1"/>
+          </p:cNvSpPr>
+          <p:nvPr>
+            <p:ph type="title"/>
+          </p:nvPr>
+        </p:nvSpPr>
+        <p:spPr/>
+        <p:txBody>
+          <a:bodyPr/>
+          <a:p>
+            <a:pPr algn="ctr"/>
+            <a:r>
+              <a:rPr lang="en-US" altLang="zh-CN">
+                <a:ln/>
+                <a:solidFill>
+                  <a:schemeClr val="tx1"/>
+                </a:solidFill>
+                <a:effectLst>
+                  <a:outerShdw blurRad="38100" dist="19050" dir="2700000" algn="tl" rotWithShape="0">
+                    <a:schemeClr val="dk1">
+                      <a:alpha val="40000"/>
+                    </a:schemeClr>
+                  </a:outerShdw>
+                </a:effectLst>
+                <a:latin typeface="新宋体" panose="02010609030101010101" charset="-122"/>
+                <a:ea typeface="新宋体" panose="02010609030101010101" charset="-122"/>
+                <a:cs typeface="新宋体" panose="02010609030101010101" charset="-122"/>
+              </a:rPr>
+              <a:t>10.</a:t>
+            </a:r>
+            <a:r>
+              <a:rPr lang="zh-CN" altLang="en-US">
+                <a:ln/>
+                <a:solidFill>
+                  <a:schemeClr val="tx1"/>
+                </a:solidFill>
+                <a:effectLst>
+                  <a:outerShdw blurRad="38100" dist="19050" dir="2700000" algn="tl" rotWithShape="0">
+                    <a:schemeClr val="dk1">
+                      <a:alpha val="40000"/>
+                    </a:schemeClr>
+                  </a:outerShdw>
+                </a:effectLst>
+                <a:latin typeface="新宋体" panose="02010609030101010101" charset="-122"/>
+                <a:ea typeface="新宋体" panose="02010609030101010101" charset="-122"/>
+                <a:cs typeface="新宋体" panose="02010609030101010101" charset="-122"/>
+              </a:rPr>
+              <a:t>官僚模式（</a:t>
+            </a:r>
+            <a:r>
+              <a:rPr lang="en-US" altLang="zh-CN">
+                <a:ln/>
+                <a:solidFill>
+                  <a:schemeClr val="tx1"/>
+                </a:solidFill>
+                <a:effectLst>
+                  <a:outerShdw blurRad="38100" dist="19050" dir="2700000" algn="tl" rotWithShape="0">
+                    <a:schemeClr val="dk1">
+                      <a:alpha val="40000"/>
+                    </a:schemeClr>
+                  </a:outerShdw>
+                </a:effectLst>
+                <a:latin typeface="新宋体" panose="02010609030101010101" charset="-122"/>
+                <a:ea typeface="新宋体" panose="02010609030101010101" charset="-122"/>
+                <a:cs typeface="新宋体" panose="02010609030101010101" charset="-122"/>
+              </a:rPr>
+              <a:t>Bureaucratic Model</a:t>
+            </a:r>
+            <a:r>
+              <a:rPr lang="zh-CN" altLang="en-US">
+                <a:ln/>
+                <a:solidFill>
+                  <a:schemeClr val="tx1"/>
+                </a:solidFill>
+                <a:effectLst>
+                  <a:outerShdw blurRad="38100" dist="19050" dir="2700000" algn="tl" rotWithShape="0">
+                    <a:schemeClr val="dk1">
+                      <a:alpha val="40000"/>
+                    </a:schemeClr>
+                  </a:outerShdw>
+                </a:effectLst>
+                <a:latin typeface="新宋体" panose="02010609030101010101" charset="-122"/>
+                <a:ea typeface="新宋体" panose="02010609030101010101" charset="-122"/>
+                <a:cs typeface="新宋体" panose="02010609030101010101" charset="-122"/>
+              </a:rPr>
+              <a:t>）</a:t>
+            </a:r>
+            <a:endParaRPr lang="zh-CN" altLang="en-US">
+              <a:ln/>
+              <a:solidFill>
+                <a:schemeClr val="tx1"/>
+              </a:solidFill>
+              <a:effectLst>
+                <a:outerShdw blurRad="38100" dist="19050" dir="2700000" algn="tl" rotWithShape="0">
+                  <a:schemeClr val="dk1">
+                    <a:alpha val="40000"/>
+                  </a:schemeClr>
+                </a:outerShdw>
+              </a:effectLst>
+              <a:latin typeface="新宋体" panose="02010609030101010101" charset="-122"/>
+              <a:ea typeface="新宋体" panose="02010609030101010101" charset="-122"/>
+              <a:cs typeface="新宋体" panose="02010609030101010101" charset="-122"/>
+            </a:endParaRPr>
+          </a:p>
+        </p:txBody>
+      </p:sp>
+      <p:sp>
+        <p:nvSpPr>
+          <p:cNvPr id="3" name="内容占位符 2"/>
+          <p:cNvSpPr>
+            <a:spLocks noGrp="1"/>
+          </p:cNvSpPr>
+          <p:nvPr>
+            <p:ph idx="1"/>
+          </p:nvPr>
+        </p:nvSpPr>
+        <p:spPr/>
+        <p:txBody>
+          <a:bodyPr/>
+          <a:p>
+            <a:pPr marL="0" indent="0">
+              <a:lnSpc>
+                <a:spcPct val="100000"/>
+              </a:lnSpc>
+              <a:buNone/>
+            </a:pPr>
+            <a:r>
+              <a:rPr lang="zh-CN" altLang="en-US">
+                <a:latin typeface="楷体" panose="02010609060101010101" charset="-122"/>
+                <a:ea typeface="楷体" panose="02010609060101010101" charset="-122"/>
+                <a:cs typeface="楷体" panose="02010609060101010101" charset="-122"/>
+              </a:rPr>
+              <a:t>类</a:t>
+            </a:r>
+            <a:r>
+              <a:rPr lang="zh-CN" altLang="en-US" sz="2800">
+                <a:latin typeface="楷体" panose="02010609060101010101" charset="-122"/>
+                <a:ea typeface="楷体" panose="02010609060101010101" charset="-122"/>
+                <a:cs typeface="楷体" panose="02010609060101010101" charset="-122"/>
+              </a:rPr>
+              <a:t>似大公司的组织架构</a:t>
+            </a:r>
+            <a:r>
+              <a:rPr lang="en-US" altLang="zh-CN" sz="2800">
+                <a:latin typeface="楷体" panose="02010609060101010101" charset="-122"/>
+                <a:ea typeface="楷体" panose="02010609060101010101" charset="-122"/>
+                <a:cs typeface="楷体" panose="02010609060101010101" charset="-122"/>
+              </a:rPr>
+              <a:t>——</a:t>
+            </a:r>
+            <a:r>
+              <a:rPr lang="zh-CN" altLang="en-US" sz="2800">
+                <a:latin typeface="楷体" panose="02010609060101010101" charset="-122"/>
+                <a:ea typeface="楷体" panose="02010609060101010101" charset="-122"/>
+                <a:cs typeface="楷体" panose="02010609060101010101" charset="-122"/>
+              </a:rPr>
+              <a:t>几个人报告给小领导，小领导报告给中层，中层报告给高级经理，高级经理报告给董事会，等等。</a:t>
+            </a:r>
+            <a:endParaRPr lang="zh-CN" altLang="en-US" sz="2800">
+              <a:latin typeface="楷体" panose="02010609060101010101" charset="-122"/>
+              <a:ea typeface="楷体" panose="02010609060101010101" charset="-122"/>
+              <a:cs typeface="楷体" panose="02010609060101010101" charset="-122"/>
+            </a:endParaRPr>
+          </a:p>
+          <a:p>
+            <a:pPr marL="0" indent="0">
+              <a:lnSpc>
+                <a:spcPct val="100000"/>
+              </a:lnSpc>
+              <a:buNone/>
+            </a:pPr>
+            <a:endParaRPr lang="zh-CN" altLang="en-US" sz="2800">
+              <a:latin typeface="楷体" panose="02010609060101010101" charset="-122"/>
+              <a:ea typeface="楷体" panose="02010609060101010101" charset="-122"/>
+              <a:cs typeface="楷体" panose="02010609060101010101" charset="-122"/>
+            </a:endParaRPr>
+          </a:p>
+          <a:p>
+            <a:pPr marL="0" indent="0">
+              <a:lnSpc>
+                <a:spcPct val="100000"/>
+              </a:lnSpc>
+              <a:buNone/>
+            </a:pPr>
+            <a:r>
+              <a:rPr lang="zh-CN" altLang="en-US" sz="2800">
+                <a:latin typeface="楷体" panose="02010609060101010101" charset="-122"/>
+                <a:ea typeface="楷体" panose="02010609060101010101" charset="-122"/>
+                <a:cs typeface="楷体" panose="02010609060101010101" charset="-122"/>
+              </a:rPr>
+              <a:t>这种模式弊端很明显：</a:t>
+            </a:r>
+            <a:endParaRPr lang="zh-CN" altLang="en-US" sz="2800">
+              <a:latin typeface="楷体" panose="02010609060101010101" charset="-122"/>
+              <a:ea typeface="楷体" panose="02010609060101010101" charset="-122"/>
+              <a:cs typeface="楷体" panose="02010609060101010101" charset="-122"/>
+            </a:endParaRPr>
+          </a:p>
+          <a:p>
+            <a:pPr>
+              <a:lnSpc>
+                <a:spcPct val="100000"/>
+              </a:lnSpc>
+            </a:pPr>
+            <a:r>
+              <a:rPr lang="zh-CN" altLang="en-US" sz="2800">
+                <a:latin typeface="楷体" panose="02010609060101010101" charset="-122"/>
+                <a:ea typeface="楷体" panose="02010609060101010101" charset="-122"/>
+                <a:cs typeface="楷体" panose="02010609060101010101" charset="-122"/>
+              </a:rPr>
+              <a:t>小领导、中层、高级经理之间勾心斗角、争权夺利，其他团队贡献被严重贬低</a:t>
+            </a:r>
+            <a:r>
+              <a:rPr lang="zh-CN" altLang="en-US" sz="2800">
+                <a:latin typeface="楷体" panose="02010609060101010101" charset="-122"/>
+                <a:ea typeface="楷体" panose="02010609060101010101" charset="-122"/>
+                <a:cs typeface="楷体" panose="02010609060101010101" charset="-122"/>
+              </a:rPr>
+              <a:t>。</a:t>
+            </a:r>
+            <a:endParaRPr lang="zh-CN" altLang="en-US" sz="2800">
+              <a:latin typeface="楷体" panose="02010609060101010101" charset="-122"/>
+              <a:ea typeface="楷体" panose="02010609060101010101" charset="-122"/>
+              <a:cs typeface="楷体" panose="02010609060101010101" charset="-122"/>
+            </a:endParaRPr>
+          </a:p>
+          <a:p>
+            <a:pPr>
+              <a:lnSpc>
+                <a:spcPct val="100000"/>
+              </a:lnSpc>
+            </a:pPr>
+            <a:r>
+              <a:rPr lang="zh-CN" altLang="en-US" sz="2800">
+                <a:latin typeface="楷体" panose="02010609060101010101" charset="-122"/>
+                <a:ea typeface="楷体" panose="02010609060101010101" charset="-122"/>
+                <a:cs typeface="楷体" panose="02010609060101010101" charset="-122"/>
+              </a:rPr>
+              <a:t>跨组织的合作困难很大。</a:t>
+            </a:r>
+            <a:endParaRPr lang="zh-CN" altLang="en-US" sz="2800">
+              <a:latin typeface="楷体" panose="02010609060101010101" charset="-122"/>
+              <a:ea typeface="楷体" panose="02010609060101010101" charset="-122"/>
+              <a:cs typeface="楷体" panose="02010609060101010101" charset="-122"/>
+            </a:endParaRPr>
+          </a:p>
+        </p:txBody>
+      </p:sp>
+    </p:spTree>
+    <p:custDataLst>
+      <p:tags r:id="rId1"/>
+    </p:custDataLst>
+  </p:cSld>
+  <p:clrMapOvr>
+    <a:masterClrMapping/>
+  </p:clrMapOvr>
+</p:sld>
+</file>
+
+<file path=ppt/slides/slide16.xml><?xml version="1.0" encoding="utf-8"?>
+<p:sld xmlns:a="http://schemas.openxmlformats.org/drawingml/2006/main" xmlns:r="http://schemas.openxmlformats.org/officeDocument/2006/relationships" xmlns:p="http://schemas.openxmlformats.org/presentationml/2006/main">
+  <p:cSld>
+    <p:spTree>
+      <p:nvGrpSpPr>
+        <p:cNvPr id="1" name=""/>
+        <p:cNvGrpSpPr/>
+        <p:nvPr/>
+      </p:nvGrpSpPr>
+      <p:grpSpPr/>
+      <p:sp>
+        <p:nvSpPr>
+          <p:cNvPr id="2" name="标题 1"/>
+          <p:cNvSpPr>
+            <a:spLocks noGrp="1"/>
+          </p:cNvSpPr>
+          <p:nvPr>
+            <p:ph type="ctrTitle"/>
+          </p:nvPr>
+        </p:nvSpPr>
+        <p:spPr/>
+        <p:txBody>
+          <a:bodyPr>
+            <a:normAutofit/>
+          </a:bodyPr>
+          <a:p>
+            <a:r>
+              <a:rPr lang="en-US" altLang="zh-CN" sz="4800" b="0"/>
+              <a:t>Section3</a:t>
+            </a:r>
+            <a:endParaRPr lang="en-US" altLang="zh-CN" sz="4800" b="0"/>
+          </a:p>
+        </p:txBody>
+      </p:sp>
+      <p:sp>
+        <p:nvSpPr>
+          <p:cNvPr id="3" name="副标题 2"/>
+          <p:cNvSpPr>
+            <a:spLocks noGrp="1"/>
+          </p:cNvSpPr>
+          <p:nvPr>
+            <p:ph type="subTitle" idx="1"/>
+          </p:nvPr>
+        </p:nvSpPr>
+        <p:spPr/>
+        <p:txBody>
+          <a:bodyPr>
+            <a:normAutofit fontScale="90000"/>
+          </a:bodyPr>
+          <a:p>
+            <a:pPr algn="l"/>
+            <a:r>
+              <a:rPr lang="zh-CN" altLang="en-US" sz="6600" b="1">
+                <a:latin typeface="+mj-ea"/>
+                <a:ea typeface="+mj-ea"/>
+              </a:rPr>
+              <a:t>开发流程</a:t>
+            </a:r>
+            <a:endParaRPr lang="zh-CN" altLang="en-US" sz="6600" b="1">
+              <a:latin typeface="+mj-ea"/>
+              <a:ea typeface="+mj-ea"/>
+            </a:endParaRPr>
+          </a:p>
+        </p:txBody>
+      </p:sp>
+    </p:spTree>
+    <p:custDataLst>
+      <p:tags r:id="rId1"/>
+    </p:custDataLst>
+  </p:cSld>
+  <p:clrMapOvr>
+    <a:masterClrMapping/>
+  </p:clrMapOvr>
+</p:sld>
+</file>
+
+<file path=ppt/slides/slide17.xml><?xml version="1.0" encoding="utf-8"?>
+<p:sld xmlns:a="http://schemas.openxmlformats.org/drawingml/2006/main" xmlns:r="http://schemas.openxmlformats.org/officeDocument/2006/relationships" xmlns:p="http://schemas.openxmlformats.org/presentationml/2006/main">
+  <p:cSld>
+    <p:bg>
+      <p:bgPr>
+        <a:gradFill>
+          <a:gsLst>
+            <a:gs pos="0">
+              <a:srgbClr val="14CD68"/>
+            </a:gs>
+            <a:gs pos="100000">
+              <a:srgbClr val="035C7D"/>
+            </a:gs>
+          </a:gsLst>
+          <a:lin ang="5400000" scaled="0"/>
+        </a:gradFill>
+        <a:effectLst/>
+      </p:bgPr>
+    </p:bg>
+    <p:spTree>
+      <p:nvGrpSpPr>
+        <p:cNvPr id="1" name=""/>
+        <p:cNvGrpSpPr/>
+        <p:nvPr/>
+      </p:nvGrpSpPr>
+      <p:grpSpPr/>
+      <p:sp>
+        <p:nvSpPr>
+          <p:cNvPr id="3" name="内容占位符 2"/>
+          <p:cNvSpPr>
+            <a:spLocks noGrp="1"/>
+          </p:cNvSpPr>
+          <p:nvPr>
+            <p:ph idx="1"/>
+          </p:nvPr>
+        </p:nvSpPr>
+        <p:spPr>
+          <a:xfrm>
+            <a:off x="715010" y="1252855"/>
+            <a:ext cx="10515600" cy="4351338"/>
+          </a:xfrm>
+        </p:spPr>
+        <p:txBody>
+          <a:bodyPr/>
+          <a:p>
+            <a:pPr marL="0" indent="0" fontAlgn="auto">
+              <a:lnSpc>
+                <a:spcPct val="120000"/>
+              </a:lnSpc>
+              <a:buNone/>
+            </a:pPr>
+            <a:r>
+              <a:rPr lang="zh-CN" altLang="en-US" sz="3200">
+                <a:latin typeface="楷体" panose="02010609060101010101" charset="-122"/>
+                <a:ea typeface="楷体" panose="02010609060101010101" charset="-122"/>
+                <a:cs typeface="楷体" panose="02010609060101010101" charset="-122"/>
+              </a:rPr>
+              <a:t>软件开发流程定义：我们在开发、运营、维护软件的过程中会有很多技术、做法、习惯和思想，软件工程把这些相关的技术和过程统一到一个体系中，叫做</a:t>
+            </a:r>
+            <a:r>
+              <a:rPr lang="en-US" altLang="zh-CN" sz="3200">
+                <a:latin typeface="楷体" panose="02010609060101010101" charset="-122"/>
+                <a:ea typeface="楷体" panose="02010609060101010101" charset="-122"/>
+                <a:cs typeface="楷体" panose="02010609060101010101" charset="-122"/>
+              </a:rPr>
+              <a:t>“</a:t>
+            </a:r>
+            <a:r>
+              <a:rPr lang="zh-CN" altLang="en-US" sz="3200">
+                <a:latin typeface="楷体" panose="02010609060101010101" charset="-122"/>
+                <a:ea typeface="楷体" panose="02010609060101010101" charset="-122"/>
+                <a:cs typeface="楷体" panose="02010609060101010101" charset="-122"/>
+              </a:rPr>
+              <a:t>软件开发流程</a:t>
+            </a:r>
+            <a:r>
+              <a:rPr lang="en-US" altLang="zh-CN" sz="3200">
+                <a:latin typeface="楷体" panose="02010609060101010101" charset="-122"/>
+                <a:ea typeface="楷体" panose="02010609060101010101" charset="-122"/>
+                <a:cs typeface="楷体" panose="02010609060101010101" charset="-122"/>
+              </a:rPr>
+              <a:t>”</a:t>
+            </a:r>
+            <a:r>
+              <a:rPr lang="zh-CN" altLang="en-US" sz="3200">
+                <a:latin typeface="楷体" panose="02010609060101010101" charset="-122"/>
+                <a:ea typeface="楷体" panose="02010609060101010101" charset="-122"/>
+                <a:cs typeface="楷体" panose="02010609060101010101" charset="-122"/>
+              </a:rPr>
+              <a:t>。</a:t>
+            </a:r>
+            <a:endParaRPr lang="zh-CN" altLang="en-US" sz="3200">
+              <a:latin typeface="楷体" panose="02010609060101010101" charset="-122"/>
+              <a:ea typeface="楷体" panose="02010609060101010101" charset="-122"/>
+              <a:cs typeface="楷体" panose="02010609060101010101" charset="-122"/>
+            </a:endParaRPr>
+          </a:p>
+          <a:p>
+            <a:pPr marL="0" indent="0" fontAlgn="auto">
+              <a:lnSpc>
+                <a:spcPct val="120000"/>
+              </a:lnSpc>
+              <a:buNone/>
+            </a:pPr>
+            <a:r>
+              <a:rPr lang="zh-CN" altLang="en-US" sz="3200">
+                <a:latin typeface="楷体" panose="02010609060101010101" charset="-122"/>
+                <a:ea typeface="楷体" panose="02010609060101010101" charset="-122"/>
+                <a:cs typeface="楷体" panose="02010609060101010101" charset="-122"/>
+              </a:rPr>
+              <a:t>目的：为了提高软件开发、运营和维护的效率，以及提升用户满意度、软件可靠性和可维护性。</a:t>
+            </a:r>
+            <a:endParaRPr lang="zh-CN" altLang="en-US" sz="3200">
+              <a:latin typeface="楷体" panose="02010609060101010101" charset="-122"/>
+              <a:ea typeface="楷体" panose="02010609060101010101" charset="-122"/>
+              <a:cs typeface="楷体" panose="02010609060101010101" charset="-122"/>
+            </a:endParaRPr>
+          </a:p>
+        </p:txBody>
+      </p:sp>
+    </p:spTree>
+    <p:custDataLst>
+      <p:tags r:id="rId1"/>
+    </p:custDataLst>
+  </p:cSld>
+  <p:clrMapOvr>
+    <a:masterClrMapping/>
+  </p:clrMapOvr>
+</p:sld>
+</file>
+
+<file path=ppt/slides/slide18.xml><?xml version="1.0" encoding="utf-8"?>
+<p:sld xmlns:a="http://schemas.openxmlformats.org/drawingml/2006/main" xmlns:r="http://schemas.openxmlformats.org/officeDocument/2006/relationships" xmlns:p="http://schemas.openxmlformats.org/presentationml/2006/main">
+  <p:cSld>
+    <p:bg>
+      <p:bgPr>
+        <a:gradFill>
+          <a:gsLst>
+            <a:gs pos="0">
+              <a:srgbClr val="14CD68"/>
+            </a:gs>
+            <a:gs pos="100000">
+              <a:srgbClr val="035C7D"/>
+            </a:gs>
+          </a:gsLst>
+          <a:lin ang="5400000" scaled="0"/>
+        </a:gradFill>
+        <a:effectLst/>
+      </p:bgPr>
+    </p:bg>
+    <p:spTree>
+      <p:nvGrpSpPr>
+        <p:cNvPr id="1" name=""/>
+        <p:cNvGrpSpPr/>
+        <p:nvPr/>
+      </p:nvGrpSpPr>
+      <p:grpSpPr/>
+      <p:sp>
+        <p:nvSpPr>
+          <p:cNvPr id="2" name="标题 1"/>
+          <p:cNvSpPr>
+            <a:spLocks noGrp="1"/>
+          </p:cNvSpPr>
+          <p:nvPr>
+            <p:ph type="title"/>
+          </p:nvPr>
+        </p:nvSpPr>
+        <p:spPr/>
+        <p:txBody>
+          <a:bodyPr/>
+          <a:p>
+            <a:pPr algn="ctr"/>
+            <a:r>
+              <a:rPr lang="en-US" altLang="zh-CN">
+                <a:solidFill>
+                  <a:schemeClr val="tx1"/>
+                </a:solidFill>
+                <a:effectLst>
+                  <a:outerShdw blurRad="38100" dist="19050" dir="2700000" algn="tl" rotWithShape="0">
+                    <a:schemeClr val="dk1">
+                      <a:alpha val="40000"/>
+                    </a:schemeClr>
+                  </a:outerShdw>
+                </a:effectLst>
+                <a:latin typeface="新宋体" panose="02010609030101010101" charset="-122"/>
+                <a:ea typeface="新宋体" panose="02010609030101010101" charset="-122"/>
+                <a:cs typeface="新宋体" panose="02010609030101010101" charset="-122"/>
+              </a:rPr>
+              <a:t>1.</a:t>
+            </a:r>
+            <a:r>
+              <a:rPr lang="zh-CN" altLang="zh-CN">
+                <a:solidFill>
+                  <a:schemeClr val="tx1"/>
+                </a:solidFill>
+                <a:effectLst>
+                  <a:outerShdw blurRad="38100" dist="19050" dir="2700000" algn="tl" rotWithShape="0">
+                    <a:schemeClr val="dk1">
+                      <a:alpha val="40000"/>
+                    </a:schemeClr>
+                  </a:outerShdw>
+                </a:effectLst>
+                <a:latin typeface="新宋体" panose="02010609030101010101" charset="-122"/>
+                <a:ea typeface="新宋体" panose="02010609030101010101" charset="-122"/>
+                <a:cs typeface="新宋体" panose="02010609030101010101" charset="-122"/>
+              </a:rPr>
+              <a:t>写了再改模式（</a:t>
+            </a:r>
+            <a:r>
+              <a:rPr lang="en-US" altLang="zh-CN">
+                <a:solidFill>
+                  <a:schemeClr val="tx1"/>
+                </a:solidFill>
+                <a:effectLst>
+                  <a:outerShdw blurRad="38100" dist="19050" dir="2700000" algn="tl" rotWithShape="0">
+                    <a:schemeClr val="dk1">
+                      <a:alpha val="40000"/>
+                    </a:schemeClr>
+                  </a:outerShdw>
+                </a:effectLst>
+                <a:latin typeface="新宋体" panose="02010609030101010101" charset="-122"/>
+                <a:ea typeface="新宋体" panose="02010609030101010101" charset="-122"/>
+                <a:cs typeface="新宋体" panose="02010609030101010101" charset="-122"/>
+              </a:rPr>
+              <a:t>Code-and-Fix</a:t>
+            </a:r>
+            <a:r>
+              <a:rPr lang="zh-CN" altLang="zh-CN">
+                <a:solidFill>
+                  <a:schemeClr val="tx1"/>
+                </a:solidFill>
+                <a:effectLst>
+                  <a:outerShdw blurRad="38100" dist="19050" dir="2700000" algn="tl" rotWithShape="0">
+                    <a:schemeClr val="dk1">
+                      <a:alpha val="40000"/>
+                    </a:schemeClr>
+                  </a:outerShdw>
+                </a:effectLst>
+                <a:latin typeface="新宋体" panose="02010609030101010101" charset="-122"/>
+                <a:ea typeface="新宋体" panose="02010609030101010101" charset="-122"/>
+                <a:cs typeface="新宋体" panose="02010609030101010101" charset="-122"/>
+              </a:rPr>
+              <a:t>）</a:t>
+            </a:r>
+            <a:endParaRPr lang="zh-CN" altLang="zh-CN">
+              <a:solidFill>
+                <a:schemeClr val="tx1"/>
+              </a:solidFill>
+              <a:effectLst>
+                <a:outerShdw blurRad="38100" dist="19050" dir="2700000" algn="tl" rotWithShape="0">
+                  <a:schemeClr val="dk1">
+                    <a:alpha val="40000"/>
+                  </a:schemeClr>
+                </a:outerShdw>
+              </a:effectLst>
+              <a:latin typeface="新宋体" panose="02010609030101010101" charset="-122"/>
+              <a:ea typeface="新宋体" panose="02010609030101010101" charset="-122"/>
+              <a:cs typeface="新宋体" panose="02010609030101010101" charset="-122"/>
+            </a:endParaRPr>
+          </a:p>
+        </p:txBody>
+      </p:sp>
+      <p:sp>
+        <p:nvSpPr>
+          <p:cNvPr id="3" name="内容占位符 2"/>
+          <p:cNvSpPr>
+            <a:spLocks noGrp="1"/>
+          </p:cNvSpPr>
+          <p:nvPr>
+            <p:ph idx="1"/>
+          </p:nvPr>
+        </p:nvSpPr>
+        <p:spPr/>
+        <p:txBody>
+          <a:bodyPr/>
+          <a:p>
+            <a:pPr marL="0" indent="0">
+              <a:lnSpc>
+                <a:spcPct val="120000"/>
+              </a:lnSpc>
+              <a:spcBef>
+                <a:spcPts val="1000"/>
+              </a:spcBef>
+              <a:spcAft>
+                <a:spcPts val="0"/>
+              </a:spcAft>
+              <a:buNone/>
+            </a:pPr>
+            <a:r>
+              <a:rPr lang="zh-CN" altLang="en-US" sz="3200">
+                <a:latin typeface="楷体" panose="02010609060101010101" charset="-122"/>
+                <a:ea typeface="楷体" panose="02010609060101010101" charset="-122"/>
+              </a:rPr>
+              <a:t>和软件团队的一窝蜂模式很像，不需要太多相关知识和其他准备，大家上来就写代码，写出来最好，写不出来就改，也许能改好。</a:t>
+            </a:r>
+            <a:endParaRPr lang="zh-CN" altLang="en-US" sz="3200">
+              <a:latin typeface="楷体" panose="02010609060101010101" charset="-122"/>
+              <a:ea typeface="楷体" panose="02010609060101010101" charset="-122"/>
+            </a:endParaRPr>
+          </a:p>
+          <a:p>
+            <a:pPr marL="0" indent="0">
+              <a:lnSpc>
+                <a:spcPct val="120000"/>
+              </a:lnSpc>
+              <a:spcBef>
+                <a:spcPts val="1000"/>
+              </a:spcBef>
+              <a:spcAft>
+                <a:spcPts val="0"/>
+              </a:spcAft>
+              <a:buNone/>
+            </a:pPr>
+            <a:r>
+              <a:rPr lang="zh-CN" altLang="en-US" sz="3200">
+                <a:latin typeface="楷体" panose="02010609060101010101" charset="-122"/>
+                <a:ea typeface="楷体" panose="02010609060101010101" charset="-122"/>
+              </a:rPr>
+              <a:t>对于临时性的程序或原型（</a:t>
+            </a:r>
+            <a:r>
+              <a:rPr lang="en-US" altLang="zh-CN" sz="3200">
+                <a:latin typeface="楷体" panose="02010609060101010101" charset="-122"/>
+                <a:ea typeface="楷体" panose="02010609060101010101" charset="-122"/>
+              </a:rPr>
+              <a:t>“</a:t>
+            </a:r>
+            <a:r>
+              <a:rPr lang="zh-CN" altLang="en-US" sz="3200">
+                <a:latin typeface="楷体" panose="02010609060101010101" charset="-122"/>
+                <a:ea typeface="楷体" panose="02010609060101010101" charset="-122"/>
+              </a:rPr>
+              <a:t>只用一次</a:t>
+            </a:r>
+            <a:r>
+              <a:rPr lang="en-US" altLang="zh-CN" sz="3200">
+                <a:latin typeface="楷体" panose="02010609060101010101" charset="-122"/>
+                <a:ea typeface="楷体" panose="02010609060101010101" charset="-122"/>
+              </a:rPr>
+              <a:t>”</a:t>
+            </a:r>
+            <a:r>
+              <a:rPr lang="zh-CN" altLang="en-US" sz="3200">
+                <a:latin typeface="楷体" panose="02010609060101010101" charset="-122"/>
+                <a:ea typeface="楷体" panose="02010609060101010101" charset="-122"/>
+              </a:rPr>
+              <a:t>、</a:t>
+            </a:r>
+            <a:r>
+              <a:rPr lang="en-US" altLang="zh-CN" sz="3200">
+                <a:latin typeface="楷体" panose="02010609060101010101" charset="-122"/>
+                <a:ea typeface="楷体" panose="02010609060101010101" charset="-122"/>
+              </a:rPr>
+              <a:t>“</a:t>
+            </a:r>
+            <a:r>
+              <a:rPr lang="zh-CN" altLang="en-US" sz="3200">
+                <a:latin typeface="楷体" panose="02010609060101010101" charset="-122"/>
+                <a:ea typeface="楷体" panose="02010609060101010101" charset="-122"/>
+              </a:rPr>
+              <a:t>看过了即作废</a:t>
+            </a:r>
+            <a:r>
+              <a:rPr lang="en-US" altLang="zh-CN" sz="3200">
+                <a:latin typeface="楷体" panose="02010609060101010101" charset="-122"/>
+                <a:ea typeface="楷体" panose="02010609060101010101" charset="-122"/>
+              </a:rPr>
+              <a:t>”</a:t>
+            </a:r>
+            <a:r>
+              <a:rPr lang="zh-CN" altLang="en-US" sz="3200">
+                <a:latin typeface="楷体" panose="02010609060101010101" charset="-122"/>
+                <a:ea typeface="楷体" panose="02010609060101010101" charset="-122"/>
+              </a:rPr>
+              <a:t>），这种模式很方便；然而对于有很多实际用户、解决实际需求的软件，这种模式很明显不适合。</a:t>
+            </a:r>
+            <a:endParaRPr lang="zh-CN" altLang="en-US" sz="3200">
+              <a:latin typeface="楷体" panose="02010609060101010101" charset="-122"/>
+              <a:ea typeface="楷体" panose="02010609060101010101" charset="-122"/>
+            </a:endParaRPr>
+          </a:p>
+        </p:txBody>
+      </p:sp>
+    </p:spTree>
+    <p:custDataLst>
+      <p:tags r:id="rId1"/>
+    </p:custDataLst>
+  </p:cSld>
+  <p:clrMapOvr>
+    <a:masterClrMapping/>
+  </p:clrMapOvr>
+</p:sld>
+</file>
+
+<file path=ppt/slides/slide19.xml><?xml version="1.0" encoding="utf-8"?>
+<p:sld xmlns:a="http://schemas.openxmlformats.org/drawingml/2006/main" xmlns:r="http://schemas.openxmlformats.org/officeDocument/2006/relationships" xmlns:p="http://schemas.openxmlformats.org/presentationml/2006/main">
+  <p:cSld>
+    <p:bg>
+      <p:bgPr>
+        <a:gradFill>
+          <a:gsLst>
+            <a:gs pos="0">
+              <a:srgbClr val="14CD68"/>
+            </a:gs>
+            <a:gs pos="100000">
+              <a:srgbClr val="035C7D"/>
+            </a:gs>
+          </a:gsLst>
+          <a:lin ang="5400000" scaled="0"/>
+        </a:gradFill>
+        <a:effectLst/>
+      </p:bgPr>
+    </p:bg>
+    <p:spTree>
+      <p:nvGrpSpPr>
+        <p:cNvPr id="1" name=""/>
+        <p:cNvGrpSpPr/>
+        <p:nvPr/>
+      </p:nvGrpSpPr>
+      <p:grpSpPr/>
+      <p:sp>
+        <p:nvSpPr>
+          <p:cNvPr id="2" name="标题 1"/>
+          <p:cNvSpPr>
+            <a:spLocks noGrp="1"/>
+          </p:cNvSpPr>
+          <p:nvPr>
+            <p:ph type="title"/>
+          </p:nvPr>
+        </p:nvSpPr>
+        <p:spPr/>
+        <p:txBody>
           <a:bodyPr>
             <a:scene3d>
               <a:camera prst="orthographicFront"/>
@@ -10198,7 +11719,133 @@
 </p:sld>
 </file>
 
-<file path=ppt/slides/slide14.xml><?xml version="1.0" encoding="utf-8"?>
+<file path=ppt/slides/slide2.xml><?xml version="1.0" encoding="utf-8"?>
+<p:sld xmlns:a="http://schemas.openxmlformats.org/drawingml/2006/main" xmlns:r="http://schemas.openxmlformats.org/officeDocument/2006/relationships" xmlns:p="http://schemas.openxmlformats.org/presentationml/2006/main">
+  <p:cSld>
+    <p:spTree>
+      <p:nvGrpSpPr>
+        <p:cNvPr id="1" name=""/>
+        <p:cNvGrpSpPr/>
+        <p:nvPr/>
+      </p:nvGrpSpPr>
+      <p:grpSpPr>
+        <a:xfrm>
+          <a:off x="0" y="0"/>
+          <a:ext cx="0" cy="0"/>
+          <a:chOff x="0" y="0"/>
+          <a:chExt cx="0" cy="0"/>
+        </a:xfrm>
+      </p:grpSpPr>
+      <p:sp>
+        <p:nvSpPr>
+          <p:cNvPr id="2" name="标题 1"/>
+          <p:cNvSpPr>
+            <a:spLocks noGrp="1"/>
+          </p:cNvSpPr>
+          <p:nvPr>
+            <p:ph type="title"/>
+            <p:custDataLst>
+              <p:tags r:id="rId1"/>
+            </p:custDataLst>
+          </p:nvPr>
+        </p:nvSpPr>
+        <p:spPr>
+          <a:xfrm>
+            <a:off x="1400047" y="3903920"/>
+            <a:ext cx="8001000" cy="1711719"/>
+          </a:xfrm>
+        </p:spPr>
+        <p:txBody>
+          <a:bodyPr/>
+          <a:lstStyle/>
+          <a:p>
+            <a:pPr algn="l"/>
+            <a:r>
+              <a:rPr lang="zh-CN" altLang="en-US">
+                <a:latin typeface="+mj-ea"/>
+              </a:rPr>
+              <a:t>非团队和团队</a:t>
+            </a:r>
+            <a:endParaRPr lang="zh-CN" altLang="en-US">
+              <a:latin typeface="+mj-ea"/>
+            </a:endParaRPr>
+          </a:p>
+        </p:txBody>
+      </p:sp>
+      <p:sp>
+        <p:nvSpPr>
+          <p:cNvPr id="4" name="矩形 3"/>
+          <p:cNvSpPr/>
+          <p:nvPr>
+            <p:custDataLst>
+              <p:tags r:id="rId2"/>
+            </p:custDataLst>
+          </p:nvPr>
+        </p:nvSpPr>
+        <p:spPr>
+          <a:xfrm>
+            <a:off x="1400175" y="2366645"/>
+            <a:ext cx="4841875" cy="1454150"/>
+          </a:xfrm>
+          <a:prstGeom prst="rect">
+            <a:avLst/>
+          </a:prstGeom>
+          <a:noFill/>
+          <a:ln>
+            <a:noFill/>
+          </a:ln>
+        </p:spPr>
+        <p:style>
+          <a:lnRef idx="2">
+            <a:schemeClr val="accent1">
+              <a:shade val="50000"/>
+            </a:schemeClr>
+          </a:lnRef>
+          <a:fillRef idx="1">
+            <a:schemeClr val="accent1"/>
+          </a:fillRef>
+          <a:effectRef idx="0">
+            <a:schemeClr val="accent1"/>
+          </a:effectRef>
+          <a:fontRef idx="minor">
+            <a:schemeClr val="lt1"/>
+          </a:fontRef>
+        </p:style>
+        <p:txBody>
+          <a:bodyPr rtlCol="0" anchor="b" anchorCtr="0">
+            <a:normAutofit/>
+          </a:bodyPr>
+          <a:lstStyle/>
+          <a:p>
+            <a:pPr algn="l"/>
+            <a:r>
+              <a:rPr lang="en-US" altLang="zh-CN" sz="4800">
+                <a:solidFill>
+                  <a:schemeClr val="tx1"/>
+                </a:solidFill>
+              </a:rPr>
+              <a:t>Section 1</a:t>
+            </a:r>
+            <a:endParaRPr lang="en-US" altLang="zh-CN" sz="4800">
+              <a:solidFill>
+                <a:schemeClr val="tx1"/>
+              </a:solidFill>
+            </a:endParaRPr>
+          </a:p>
+        </p:txBody>
+      </p:sp>
+    </p:spTree>
+    <p:custDataLst>
+      <p:tags r:id="rId3"/>
+    </p:custDataLst>
+  </p:cSld>
+  <p:clrMapOvr>
+    <a:masterClrMapping/>
+  </p:clrMapOvr>
+</p:sld>
+</file>
+
+<file path=ppt/slides/slide20.xml><?xml version="1.0" encoding="utf-8"?>
 <p:sld xmlns:a="http://schemas.openxmlformats.org/drawingml/2006/main" xmlns:r="http://schemas.openxmlformats.org/officeDocument/2006/relationships" xmlns:p="http://schemas.openxmlformats.org/presentationml/2006/main">
   <p:cSld>
     <p:bg>
@@ -10261,7 +11908,7 @@
 </p:sld>
 </file>
 
-<file path=ppt/slides/slide15.xml><?xml version="1.0" encoding="utf-8"?>
+<file path=ppt/slides/slide21.xml><?xml version="1.0" encoding="utf-8"?>
 <p:sld xmlns:a="http://schemas.openxmlformats.org/drawingml/2006/main" xmlns:r="http://schemas.openxmlformats.org/officeDocument/2006/relationships" xmlns:p="http://schemas.openxmlformats.org/presentationml/2006/main">
   <p:cSld>
     <p:bg>
@@ -10324,7 +11971,7 @@
 </p:sld>
 </file>
 
-<file path=ppt/slides/slide16.xml><?xml version="1.0" encoding="utf-8"?>
+<file path=ppt/slides/slide22.xml><?xml version="1.0" encoding="utf-8"?>
 <p:sld xmlns:a="http://schemas.openxmlformats.org/drawingml/2006/main" xmlns:r="http://schemas.openxmlformats.org/officeDocument/2006/relationships" xmlns:p="http://schemas.openxmlformats.org/presentationml/2006/main">
   <p:cSld>
     <p:bg>
@@ -10482,7 +12129,7 @@
 </p:sld>
 </file>
 
-<file path=ppt/slides/slide17.xml><?xml version="1.0" encoding="utf-8"?>
+<file path=ppt/slides/slide23.xml><?xml version="1.0" encoding="utf-8"?>
 <p:sld xmlns:a="http://schemas.openxmlformats.org/drawingml/2006/main" xmlns:r="http://schemas.openxmlformats.org/officeDocument/2006/relationships" xmlns:p="http://schemas.openxmlformats.org/presentationml/2006/main">
   <p:cSld>
     <p:bg>
@@ -10557,7 +12204,7 @@
 </p:sld>
 </file>
 
-<file path=ppt/slides/slide18.xml><?xml version="1.0" encoding="utf-8"?>
+<file path=ppt/slides/slide24.xml><?xml version="1.0" encoding="utf-8"?>
 <p:sld xmlns:a="http://schemas.openxmlformats.org/drawingml/2006/main" xmlns:r="http://schemas.openxmlformats.org/officeDocument/2006/relationships" xmlns:p="http://schemas.openxmlformats.org/presentationml/2006/main">
   <p:cSld>
     <p:bg>
@@ -10883,7 +12530,7 @@
 </p:sld>
 </file>
 
-<file path=ppt/slides/slide19.xml><?xml version="1.0" encoding="utf-8"?>
+<file path=ppt/slides/slide25.xml><?xml version="1.0" encoding="utf-8"?>
 <p:sld xmlns:a="http://schemas.openxmlformats.org/drawingml/2006/main" xmlns:r="http://schemas.openxmlformats.org/officeDocument/2006/relationships" xmlns:p="http://schemas.openxmlformats.org/presentationml/2006/main">
   <p:cSld>
     <p:bg>
@@ -11211,133 +12858,7 @@
 </p:sld>
 </file>
 
-<file path=ppt/slides/slide2.xml><?xml version="1.0" encoding="utf-8"?>
-<p:sld xmlns:a="http://schemas.openxmlformats.org/drawingml/2006/main" xmlns:r="http://schemas.openxmlformats.org/officeDocument/2006/relationships" xmlns:p="http://schemas.openxmlformats.org/presentationml/2006/main">
-  <p:cSld>
-    <p:spTree>
-      <p:nvGrpSpPr>
-        <p:cNvPr id="1" name=""/>
-        <p:cNvGrpSpPr/>
-        <p:nvPr/>
-      </p:nvGrpSpPr>
-      <p:grpSpPr>
-        <a:xfrm>
-          <a:off x="0" y="0"/>
-          <a:ext cx="0" cy="0"/>
-          <a:chOff x="0" y="0"/>
-          <a:chExt cx="0" cy="0"/>
-        </a:xfrm>
-      </p:grpSpPr>
-      <p:sp>
-        <p:nvSpPr>
-          <p:cNvPr id="2" name="标题 1"/>
-          <p:cNvSpPr>
-            <a:spLocks noGrp="1"/>
-          </p:cNvSpPr>
-          <p:nvPr>
-            <p:ph type="title"/>
-            <p:custDataLst>
-              <p:tags r:id="rId1"/>
-            </p:custDataLst>
-          </p:nvPr>
-        </p:nvSpPr>
-        <p:spPr>
-          <a:xfrm>
-            <a:off x="1400047" y="3903920"/>
-            <a:ext cx="8001000" cy="1711719"/>
-          </a:xfrm>
-        </p:spPr>
-        <p:txBody>
-          <a:bodyPr/>
-          <a:lstStyle/>
-          <a:p>
-            <a:pPr algn="l"/>
-            <a:r>
-              <a:rPr lang="zh-CN" altLang="en-US">
-                <a:latin typeface="+mj-ea"/>
-              </a:rPr>
-              <a:t>非团队和团队</a:t>
-            </a:r>
-            <a:endParaRPr lang="zh-CN" altLang="en-US">
-              <a:latin typeface="+mj-ea"/>
-            </a:endParaRPr>
-          </a:p>
-        </p:txBody>
-      </p:sp>
-      <p:sp>
-        <p:nvSpPr>
-          <p:cNvPr id="4" name="矩形 3"/>
-          <p:cNvSpPr/>
-          <p:nvPr>
-            <p:custDataLst>
-              <p:tags r:id="rId2"/>
-            </p:custDataLst>
-          </p:nvPr>
-        </p:nvSpPr>
-        <p:spPr>
-          <a:xfrm>
-            <a:off x="1400175" y="2366645"/>
-            <a:ext cx="4841875" cy="1454150"/>
-          </a:xfrm>
-          <a:prstGeom prst="rect">
-            <a:avLst/>
-          </a:prstGeom>
-          <a:noFill/>
-          <a:ln>
-            <a:noFill/>
-          </a:ln>
-        </p:spPr>
-        <p:style>
-          <a:lnRef idx="2">
-            <a:schemeClr val="accent1">
-              <a:shade val="50000"/>
-            </a:schemeClr>
-          </a:lnRef>
-          <a:fillRef idx="1">
-            <a:schemeClr val="accent1"/>
-          </a:fillRef>
-          <a:effectRef idx="0">
-            <a:schemeClr val="accent1"/>
-          </a:effectRef>
-          <a:fontRef idx="minor">
-            <a:schemeClr val="lt1"/>
-          </a:fontRef>
-        </p:style>
-        <p:txBody>
-          <a:bodyPr rtlCol="0" anchor="b" anchorCtr="0">
-            <a:normAutofit/>
-          </a:bodyPr>
-          <a:lstStyle/>
-          <a:p>
-            <a:pPr algn="l"/>
-            <a:r>
-              <a:rPr lang="en-US" altLang="zh-CN" sz="4800">
-                <a:solidFill>
-                  <a:schemeClr val="tx1"/>
-                </a:solidFill>
-              </a:rPr>
-              <a:t>Section 1</a:t>
-            </a:r>
-            <a:endParaRPr lang="en-US" altLang="zh-CN" sz="4800">
-              <a:solidFill>
-                <a:schemeClr val="tx1"/>
-              </a:solidFill>
-            </a:endParaRPr>
-          </a:p>
-        </p:txBody>
-      </p:sp>
-    </p:spTree>
-    <p:custDataLst>
-      <p:tags r:id="rId3"/>
-    </p:custDataLst>
-  </p:cSld>
-  <p:clrMapOvr>
-    <a:masterClrMapping/>
-  </p:clrMapOvr>
-</p:sld>
-</file>
-
-<file path=ppt/slides/slide20.xml><?xml version="1.0" encoding="utf-8"?>
+<file path=ppt/slides/slide26.xml><?xml version="1.0" encoding="utf-8"?>
 <p:sld xmlns:a="http://schemas.openxmlformats.org/drawingml/2006/main" xmlns:r="http://schemas.openxmlformats.org/officeDocument/2006/relationships" xmlns:p="http://schemas.openxmlformats.org/presentationml/2006/main">
   <p:cSld>
     <p:bg>
@@ -11443,7 +12964,7 @@
 </p:sld>
 </file>
 
-<file path=ppt/slides/slide21.xml><?xml version="1.0" encoding="utf-8"?>
+<file path=ppt/slides/slide27.xml><?xml version="1.0" encoding="utf-8"?>
 <p:sld xmlns:a="http://schemas.openxmlformats.org/drawingml/2006/main" xmlns:r="http://schemas.openxmlformats.org/officeDocument/2006/relationships" xmlns:p="http://schemas.openxmlformats.org/presentationml/2006/main">
   <p:cSld>
     <p:bg>
@@ -11486,7 +13007,6 @@
             <a:pPr algn="ctr"/>
             <a:r>
               <a:rPr lang="en-US" altLang="zh-CN">
-                <a:ln/>
                 <a:solidFill>
                   <a:schemeClr val="tx1"/>
                 </a:solidFill>
@@ -11505,7 +13025,6 @@
             </a:r>
             <a:r>
               <a:rPr lang="zh-CN" altLang="zh-CN">
-                <a:ln/>
                 <a:solidFill>
                   <a:schemeClr val="tx1"/>
                 </a:solidFill>
@@ -11523,7 +13042,6 @@
               <a:t>老板驱动的流程</a:t>
             </a:r>
             <a:endParaRPr lang="zh-CN" altLang="zh-CN">
-              <a:ln/>
               <a:solidFill>
                 <a:schemeClr val="tx1"/>
               </a:solidFill>
@@ -11686,7 +13204,7 @@
 </p:sld>
 </file>
 
-<file path=ppt/slides/slide22.xml><?xml version="1.0" encoding="utf-8"?>
+<file path=ppt/slides/slide28.xml><?xml version="1.0" encoding="utf-8"?>
 <p:sld xmlns:a="http://schemas.openxmlformats.org/drawingml/2006/main" xmlns:r="http://schemas.openxmlformats.org/officeDocument/2006/relationships" xmlns:p="http://schemas.openxmlformats.org/presentationml/2006/main">
   <p:cSld>
     <p:bg>
@@ -11792,14 +13310,7 @@
                 <a:latin typeface="楷体" panose="02010609060101010101" charset="-122"/>
                 <a:ea typeface="楷体" panose="02010609060101010101" charset="-122"/>
               </a:rPr>
-              <a:t>她的权威影响团队</a:t>
-            </a:r>
-            <a:r>
-              <a:rPr lang="zh-CN" altLang="en-US" sz="2800">
-                <a:latin typeface="楷体" panose="02010609060101010101" charset="-122"/>
-                <a:ea typeface="楷体" panose="02010609060101010101" charset="-122"/>
-              </a:rPr>
-              <a:t>自由交流和沟通。</a:t>
+              <a:t>她的权威影响团队自由交流和沟通。</a:t>
             </a:r>
             <a:endParaRPr lang="zh-CN" altLang="en-US" sz="2800">
               <a:latin typeface="楷体" panose="02010609060101010101" charset="-122"/>
@@ -11862,7 +13373,7 @@
 </p:sld>
 </file>
 
-<file path=ppt/slides/slide23.xml><?xml version="1.0" encoding="utf-8"?>
+<file path=ppt/slides/slide29.xml><?xml version="1.0" encoding="utf-8"?>
 <p:sld xmlns:a="http://schemas.openxmlformats.org/drawingml/2006/main" xmlns:r="http://schemas.openxmlformats.org/officeDocument/2006/relationships" xmlns:p="http://schemas.openxmlformats.org/presentationml/2006/main">
   <p:cSld>
     <p:bg>
@@ -11905,7 +13416,6 @@
             <a:pPr algn="ctr"/>
             <a:r>
               <a:rPr lang="en-US" altLang="zh-CN">
-                <a:ln/>
                 <a:solidFill>
                   <a:schemeClr val="tx1"/>
                 </a:solidFill>
@@ -11924,7 +13434,6 @@
             </a:r>
             <a:r>
               <a:rPr lang="zh-CN" altLang="en-US">
-                <a:ln/>
                 <a:solidFill>
                   <a:schemeClr val="tx1"/>
                 </a:solidFill>
@@ -11943,7 +13452,6 @@
             </a:r>
             <a:r>
               <a:rPr lang="en-US" altLang="zh-CN">
-                <a:ln/>
                 <a:solidFill>
                   <a:schemeClr val="tx1"/>
                 </a:solidFill>
@@ -11962,7 +13470,6 @@
             </a:r>
             <a:r>
               <a:rPr lang="zh-CN" altLang="en-US">
-                <a:ln/>
                 <a:solidFill>
                   <a:schemeClr val="tx1"/>
                 </a:solidFill>
@@ -11981,7 +13488,6 @@
             </a:r>
             <a:r>
               <a:rPr lang="en-US" altLang="zh-CN">
-                <a:ln/>
                 <a:solidFill>
                   <a:schemeClr val="tx1"/>
                 </a:solidFill>
@@ -11999,7 +13505,6 @@
               <a:t>MBP</a:t>
             </a:r>
             <a:endParaRPr lang="en-US" altLang="zh-CN">
-              <a:ln/>
               <a:solidFill>
                 <a:schemeClr val="tx1"/>
               </a:solidFill>
@@ -12046,954 +13551,6 @@
     </p:spTree>
     <p:custDataLst>
       <p:tags r:id="rId2"/>
-    </p:custDataLst>
-  </p:cSld>
-  <p:clrMapOvr>
-    <a:masterClrMapping/>
-  </p:clrMapOvr>
-</p:sld>
-</file>
-
-<file path=ppt/slides/slide24.xml><?xml version="1.0" encoding="utf-8"?>
-<p:sld xmlns:a="http://schemas.openxmlformats.org/drawingml/2006/main" xmlns:r="http://schemas.openxmlformats.org/officeDocument/2006/relationships" xmlns:p="http://schemas.openxmlformats.org/presentationml/2006/main">
-  <p:cSld>
-    <p:bg>
-      <p:bgPr>
-        <a:gradFill>
-          <a:gsLst>
-            <a:gs pos="0">
-              <a:srgbClr val="14CD68"/>
-            </a:gs>
-            <a:gs pos="100000">
-              <a:srgbClr val="035C7D"/>
-            </a:gs>
-          </a:gsLst>
-          <a:lin ang="5400000" scaled="0"/>
-        </a:gradFill>
-        <a:effectLst/>
-      </p:bgPr>
-    </p:bg>
-    <p:spTree>
-      <p:nvGrpSpPr>
-        <p:cNvPr id="1" name=""/>
-        <p:cNvGrpSpPr/>
-        <p:nvPr/>
-      </p:nvGrpSpPr>
-      <p:grpSpPr/>
-      <p:sp>
-        <p:nvSpPr>
-          <p:cNvPr id="3" name="内容占位符 2"/>
-          <p:cNvSpPr>
-            <a:spLocks noGrp="1"/>
-          </p:cNvSpPr>
-          <p:nvPr>
-            <p:ph idx="1"/>
-          </p:nvPr>
-        </p:nvSpPr>
-        <p:spPr>
-          <a:xfrm>
-            <a:off x="838200" y="1253490"/>
-            <a:ext cx="10515600" cy="4351338"/>
-          </a:xfrm>
-        </p:spPr>
-        <p:txBody>
-          <a:bodyPr/>
-          <a:p>
-            <a:pPr marL="0" indent="0">
-              <a:buNone/>
-            </a:pPr>
-            <a:r>
-              <a:rPr lang="zh-CN" altLang="en-US" sz="2800">
-                <a:latin typeface="楷体" panose="02010609060101010101" charset="-122"/>
-                <a:ea typeface="楷体" panose="02010609060101010101" charset="-122"/>
-              </a:rPr>
-              <a:t>不断循环这个流程：开发</a:t>
-            </a:r>
-            <a:r>
-              <a:rPr lang="en-US" altLang="zh-CN" sz="2800">
-                <a:latin typeface="楷体" panose="02010609060101010101" charset="-122"/>
-                <a:ea typeface="楷体" panose="02010609060101010101" charset="-122"/>
-              </a:rPr>
-              <a:t>→</a:t>
-            </a:r>
-            <a:r>
-              <a:rPr lang="zh-CN" altLang="en-US" sz="2800">
-                <a:latin typeface="楷体" panose="02010609060101010101" charset="-122"/>
-                <a:ea typeface="楷体" panose="02010609060101010101" charset="-122"/>
-              </a:rPr>
-              <a:t>发布</a:t>
-            </a:r>
-            <a:r>
-              <a:rPr lang="en-US" altLang="zh-CN" sz="2800">
-                <a:latin typeface="楷体" panose="02010609060101010101" charset="-122"/>
-                <a:ea typeface="楷体" panose="02010609060101010101" charset="-122"/>
-              </a:rPr>
-              <a:t>→</a:t>
-            </a:r>
-            <a:r>
-              <a:rPr lang="zh-CN" altLang="en-US" sz="2800">
-                <a:latin typeface="楷体" panose="02010609060101010101" charset="-122"/>
-                <a:ea typeface="楷体" panose="02010609060101010101" charset="-122"/>
-              </a:rPr>
-              <a:t>听取反馈</a:t>
-            </a:r>
-            <a:r>
-              <a:rPr lang="en-US" altLang="zh-CN" sz="2800">
-                <a:latin typeface="楷体" panose="02010609060101010101" charset="-122"/>
-                <a:ea typeface="楷体" panose="02010609060101010101" charset="-122"/>
-              </a:rPr>
-              <a:t>→</a:t>
-            </a:r>
-            <a:r>
-              <a:rPr lang="zh-CN" altLang="en-US" sz="2800">
-                <a:latin typeface="楷体" panose="02010609060101010101" charset="-122"/>
-                <a:ea typeface="楷体" panose="02010609060101010101" charset="-122"/>
-              </a:rPr>
-              <a:t>根据反馈做改进。</a:t>
-            </a:r>
-            <a:endParaRPr lang="zh-CN" altLang="en-US" sz="2800">
-              <a:latin typeface="楷体" panose="02010609060101010101" charset="-122"/>
-              <a:ea typeface="楷体" panose="02010609060101010101" charset="-122"/>
-            </a:endParaRPr>
-          </a:p>
-          <a:p>
-            <a:pPr marL="0" indent="0">
-              <a:buNone/>
-            </a:pPr>
-            <a:r>
-              <a:rPr lang="zh-CN" altLang="en-US" sz="2800">
-                <a:latin typeface="楷体" panose="02010609060101010101" charset="-122"/>
-                <a:ea typeface="楷体" panose="02010609060101010101" charset="-122"/>
-              </a:rPr>
-              <a:t>重复这个循环，直到满足下面条件之一：</a:t>
-            </a:r>
-            <a:endParaRPr lang="zh-CN" altLang="en-US" sz="2800">
-              <a:latin typeface="楷体" panose="02010609060101010101" charset="-122"/>
-              <a:ea typeface="楷体" panose="02010609060101010101" charset="-122"/>
-            </a:endParaRPr>
-          </a:p>
-          <a:p>
-            <a:r>
-              <a:rPr lang="zh-CN" altLang="en-US" sz="2800">
-                <a:latin typeface="楷体" panose="02010609060101010101" charset="-122"/>
-                <a:ea typeface="楷体" panose="02010609060101010101" charset="-122"/>
-              </a:rPr>
-              <a:t>时间截止</a:t>
-            </a:r>
-            <a:endParaRPr lang="zh-CN" altLang="en-US" sz="2800">
-              <a:latin typeface="楷体" panose="02010609060101010101" charset="-122"/>
-              <a:ea typeface="楷体" panose="02010609060101010101" charset="-122"/>
-            </a:endParaRPr>
-          </a:p>
-          <a:p>
-            <a:r>
-              <a:rPr lang="zh-CN" altLang="en-US" sz="2800">
-                <a:latin typeface="楷体" panose="02010609060101010101" charset="-122"/>
-                <a:ea typeface="楷体" panose="02010609060101010101" charset="-122"/>
-              </a:rPr>
-              <a:t>没钱了</a:t>
-            </a:r>
-            <a:endParaRPr lang="zh-CN" altLang="en-US" sz="2800">
-              <a:latin typeface="楷体" panose="02010609060101010101" charset="-122"/>
-              <a:ea typeface="楷体" panose="02010609060101010101" charset="-122"/>
-            </a:endParaRPr>
-          </a:p>
-          <a:p>
-            <a:r>
-              <a:rPr lang="zh-CN" altLang="en-US" sz="2800">
-                <a:latin typeface="楷体" panose="02010609060101010101" charset="-122"/>
-                <a:ea typeface="楷体" panose="02010609060101010101" charset="-122"/>
-              </a:rPr>
-              <a:t>用户满意了或者用户很不满意不再给钱了</a:t>
-            </a:r>
-            <a:endParaRPr lang="zh-CN" altLang="en-US" sz="2800">
-              <a:latin typeface="楷体" panose="02010609060101010101" charset="-122"/>
-              <a:ea typeface="楷体" panose="02010609060101010101" charset="-122"/>
-            </a:endParaRPr>
-          </a:p>
-        </p:txBody>
-      </p:sp>
-    </p:spTree>
-    <p:custDataLst>
-      <p:tags r:id="rId1"/>
-    </p:custDataLst>
-  </p:cSld>
-  <p:clrMapOvr>
-    <a:masterClrMapping/>
-  </p:clrMapOvr>
-</p:sld>
-</file>
-
-<file path=ppt/slides/slide25.xml><?xml version="1.0" encoding="utf-8"?>
-<p:sld xmlns:a="http://schemas.openxmlformats.org/drawingml/2006/main" xmlns:r="http://schemas.openxmlformats.org/officeDocument/2006/relationships" xmlns:p="http://schemas.openxmlformats.org/presentationml/2006/main">
-  <p:cSld>
-    <p:bg>
-      <p:bgPr>
-        <a:gradFill>
-          <a:gsLst>
-            <a:gs pos="0">
-              <a:srgbClr val="14CD68"/>
-            </a:gs>
-            <a:gs pos="100000">
-              <a:srgbClr val="035C7D"/>
-            </a:gs>
-          </a:gsLst>
-          <a:lin ang="5400000" scaled="0"/>
-        </a:gradFill>
-        <a:effectLst/>
-      </p:bgPr>
-    </p:bg>
-    <p:spTree>
-      <p:nvGrpSpPr>
-        <p:cNvPr id="1" name=""/>
-        <p:cNvGrpSpPr/>
-        <p:nvPr/>
-      </p:nvGrpSpPr>
-      <p:grpSpPr/>
-      <p:sp>
-        <p:nvSpPr>
-          <p:cNvPr id="3" name="内容占位符 2"/>
-          <p:cNvSpPr>
-            <a:spLocks noGrp="1"/>
-          </p:cNvSpPr>
-          <p:nvPr>
-            <p:ph idx="1"/>
-          </p:nvPr>
-        </p:nvSpPr>
-        <p:spPr>
-          <a:xfrm>
-            <a:off x="838200" y="1253490"/>
-            <a:ext cx="10515600" cy="4351338"/>
-          </a:xfrm>
-        </p:spPr>
-        <p:txBody>
-          <a:bodyPr/>
-          <a:p>
-            <a:pPr marL="0" indent="0">
-              <a:lnSpc>
-                <a:spcPct val="100000"/>
-              </a:lnSpc>
-              <a:buNone/>
-            </a:pPr>
-            <a:r>
-              <a:rPr lang="zh-CN" altLang="en-US" sz="2800">
-                <a:latin typeface="楷体" panose="02010609060101010101" charset="-122"/>
-                <a:ea typeface="楷体" panose="02010609060101010101" charset="-122"/>
-              </a:rPr>
-              <a:t>如果在产品渐进交付的流程中，第一版问世之后，用户就很不满意，完全没有继续购买的意愿，那么整个团队都在浪费时间和金钱。产品团队得到用户反馈太晚了，来不及做出</a:t>
-            </a:r>
-            <a:r>
-              <a:rPr lang="en-US" altLang="zh-CN" sz="2800">
-                <a:latin typeface="楷体" panose="02010609060101010101" charset="-122"/>
-                <a:ea typeface="楷体" panose="02010609060101010101" charset="-122"/>
-              </a:rPr>
-              <a:t>B</a:t>
-            </a:r>
-            <a:r>
-              <a:rPr lang="zh-CN" altLang="en-US" sz="2800">
-                <a:latin typeface="楷体" panose="02010609060101010101" charset="-122"/>
-                <a:ea typeface="楷体" panose="02010609060101010101" charset="-122"/>
-              </a:rPr>
-              <a:t>方案。为了解决这个问题，</a:t>
-            </a:r>
-            <a:r>
-              <a:rPr lang="en-US" altLang="zh-CN" sz="2800">
-                <a:latin typeface="楷体" panose="02010609060101010101" charset="-122"/>
-                <a:ea typeface="楷体" panose="02010609060101010101" charset="-122"/>
-              </a:rPr>
-              <a:t>MVP</a:t>
-            </a:r>
-            <a:r>
-              <a:rPr lang="zh-CN" altLang="en-US" sz="2800">
-                <a:latin typeface="楷体" panose="02010609060101010101" charset="-122"/>
-                <a:ea typeface="楷体" panose="02010609060101010101" charset="-122"/>
-              </a:rPr>
-              <a:t>方法应运而生。</a:t>
-            </a:r>
-            <a:endParaRPr lang="zh-CN" altLang="en-US" sz="2800">
-              <a:latin typeface="楷体" panose="02010609060101010101" charset="-122"/>
-              <a:ea typeface="楷体" panose="02010609060101010101" charset="-122"/>
-            </a:endParaRPr>
-          </a:p>
-        </p:txBody>
-      </p:sp>
-    </p:spTree>
-    <p:custDataLst>
-      <p:tags r:id="rId1"/>
-    </p:custDataLst>
-  </p:cSld>
-  <p:clrMapOvr>
-    <a:masterClrMapping/>
-  </p:clrMapOvr>
-</p:sld>
-</file>
-
-<file path=ppt/slides/slide26.xml><?xml version="1.0" encoding="utf-8"?>
-<p:sld xmlns:a="http://schemas.openxmlformats.org/drawingml/2006/main" xmlns:r="http://schemas.openxmlformats.org/officeDocument/2006/relationships" xmlns:p="http://schemas.openxmlformats.org/presentationml/2006/main">
-  <p:cSld>
-    <p:bg>
-      <p:bgPr>
-        <a:gradFill>
-          <a:gsLst>
-            <a:gs pos="0">
-              <a:srgbClr val="14CD68"/>
-            </a:gs>
-            <a:gs pos="100000">
-              <a:srgbClr val="035C7D"/>
-            </a:gs>
-          </a:gsLst>
-          <a:lin ang="5400000" scaled="0"/>
-        </a:gradFill>
-        <a:effectLst/>
-      </p:bgPr>
-    </p:bg>
-    <p:spTree>
-      <p:nvGrpSpPr>
-        <p:cNvPr id="1" name=""/>
-        <p:cNvGrpSpPr/>
-        <p:nvPr/>
-      </p:nvGrpSpPr>
-      <p:grpSpPr/>
-      <p:sp>
-        <p:nvSpPr>
-          <p:cNvPr id="2" name="标题 1"/>
-          <p:cNvSpPr>
-            <a:spLocks noGrp="1"/>
-          </p:cNvSpPr>
-          <p:nvPr>
-            <p:ph type="title"/>
-          </p:nvPr>
-        </p:nvSpPr>
-        <p:spPr/>
-        <p:txBody>
-          <a:bodyPr>
-            <a:normAutofit/>
-          </a:bodyPr>
-          <a:p>
-            <a:pPr algn="ctr"/>
-            <a:r>
-              <a:rPr lang="en-US" altLang="en-US" sz="3600">
-                <a:latin typeface="新宋体" panose="02010609030101010101" charset="-122"/>
-                <a:ea typeface="新宋体" panose="02010609030101010101" charset="-122"/>
-                <a:cs typeface="新宋体" panose="02010609030101010101" charset="-122"/>
-              </a:rPr>
-              <a:t>Minimum Viable Product</a:t>
-            </a:r>
-            <a:r>
-              <a:rPr lang="zh-CN" altLang="en-US" sz="3600">
-                <a:latin typeface="新宋体" panose="02010609030101010101" charset="-122"/>
-                <a:ea typeface="新宋体" panose="02010609030101010101" charset="-122"/>
-                <a:cs typeface="新宋体" panose="02010609030101010101" charset="-122"/>
-              </a:rPr>
-              <a:t>（</a:t>
-            </a:r>
-            <a:r>
-              <a:rPr lang="en-US" altLang="en-US" sz="3600">
-                <a:latin typeface="新宋体" panose="02010609030101010101" charset="-122"/>
-                <a:ea typeface="新宋体" panose="02010609030101010101" charset="-122"/>
-                <a:cs typeface="新宋体" panose="02010609030101010101" charset="-122"/>
-              </a:rPr>
-              <a:t>MVP</a:t>
-            </a:r>
-            <a:r>
-              <a:rPr lang="zh-CN" altLang="en-US" sz="3600">
-                <a:latin typeface="新宋体" panose="02010609030101010101" charset="-122"/>
-                <a:ea typeface="新宋体" panose="02010609030101010101" charset="-122"/>
-                <a:cs typeface="新宋体" panose="02010609030101010101" charset="-122"/>
-              </a:rPr>
-              <a:t>）</a:t>
-            </a:r>
-            <a:r>
-              <a:rPr lang="en-US" altLang="zh-CN" sz="3600">
-                <a:latin typeface="新宋体" panose="02010609030101010101" charset="-122"/>
-                <a:ea typeface="新宋体" panose="02010609030101010101" charset="-122"/>
-                <a:cs typeface="新宋体" panose="02010609030101010101" charset="-122"/>
-              </a:rPr>
-              <a:t>——</a:t>
-            </a:r>
-            <a:r>
-              <a:rPr lang="zh-CN" altLang="en-US" sz="3600">
-                <a:latin typeface="新宋体" panose="02010609030101010101" charset="-122"/>
-                <a:ea typeface="新宋体" panose="02010609030101010101" charset="-122"/>
-                <a:cs typeface="新宋体" panose="02010609030101010101" charset="-122"/>
-              </a:rPr>
-              <a:t>最小可行产品</a:t>
-            </a:r>
-            <a:endParaRPr lang="zh-CN" altLang="en-US" sz="3600">
-              <a:latin typeface="新宋体" panose="02010609030101010101" charset="-122"/>
-              <a:ea typeface="新宋体" panose="02010609030101010101" charset="-122"/>
-              <a:cs typeface="新宋体" panose="02010609030101010101" charset="-122"/>
-            </a:endParaRPr>
-          </a:p>
-        </p:txBody>
-      </p:sp>
-      <p:sp>
-        <p:nvSpPr>
-          <p:cNvPr id="3" name="内容占位符 2"/>
-          <p:cNvSpPr>
-            <a:spLocks noGrp="1"/>
-          </p:cNvSpPr>
-          <p:nvPr>
-            <p:ph idx="1"/>
-          </p:nvPr>
-        </p:nvSpPr>
-        <p:spPr/>
-        <p:txBody>
-          <a:bodyPr/>
-          <a:p>
-            <a:pPr marL="0" indent="0">
-              <a:lnSpc>
-                <a:spcPct val="100000"/>
-              </a:lnSpc>
-              <a:buNone/>
-            </a:pPr>
-            <a:r>
-              <a:rPr lang="zh-CN" altLang="en-US" sz="2800">
-                <a:latin typeface="楷体" panose="02010609060101010101" charset="-122"/>
-                <a:ea typeface="楷体" panose="02010609060101010101" charset="-122"/>
-              </a:rPr>
-              <a:t>将产品最核心的功能用最小的成本实现或描绘出来，然后快速征求用户意见。其指导思想和渐进交付相似，只是强调更早获得用户反馈，同时强调产品的核心功能（产品最区别于其他竞争产品之处），为了突出核心功能，其他辅助性功能可以用其他平台提供的服务代替，甚至根本不予考虑，</a:t>
-            </a:r>
-            <a:r>
-              <a:rPr lang="zh-CN" altLang="en-US" sz="2800">
-                <a:latin typeface="楷体" panose="02010609060101010101" charset="-122"/>
-                <a:ea typeface="楷体" panose="02010609060101010101" charset="-122"/>
-                <a:sym typeface="+mn-ea"/>
-              </a:rPr>
-              <a:t>为此可以在产品完成之前就发布出来</a:t>
-            </a:r>
-            <a:r>
-              <a:rPr lang="zh-CN" altLang="en-US" sz="2800">
-                <a:latin typeface="楷体" panose="02010609060101010101" charset="-122"/>
-                <a:ea typeface="楷体" panose="02010609060101010101" charset="-122"/>
-              </a:rPr>
-              <a:t>。</a:t>
-            </a:r>
-            <a:endParaRPr lang="zh-CN" altLang="en-US" sz="2800">
-              <a:latin typeface="楷体" panose="02010609060101010101" charset="-122"/>
-              <a:ea typeface="楷体" panose="02010609060101010101" charset="-122"/>
-            </a:endParaRPr>
-          </a:p>
-        </p:txBody>
-      </p:sp>
-    </p:spTree>
-    <p:custDataLst>
-      <p:tags r:id="rId1"/>
-    </p:custDataLst>
-  </p:cSld>
-  <p:clrMapOvr>
-    <a:masterClrMapping/>
-  </p:clrMapOvr>
-</p:sld>
-</file>
-
-<file path=ppt/slides/slide27.xml><?xml version="1.0" encoding="utf-8"?>
-<p:sld xmlns:a="http://schemas.openxmlformats.org/drawingml/2006/main" xmlns:r="http://schemas.openxmlformats.org/officeDocument/2006/relationships" xmlns:p="http://schemas.openxmlformats.org/presentationml/2006/main">
-  <p:cSld>
-    <p:bg>
-      <p:bgPr>
-        <a:gradFill>
-          <a:gsLst>
-            <a:gs pos="0">
-              <a:srgbClr val="14CD68"/>
-            </a:gs>
-            <a:gs pos="100000">
-              <a:srgbClr val="035C7D"/>
-            </a:gs>
-          </a:gsLst>
-          <a:lin ang="5400000" scaled="0"/>
-        </a:gradFill>
-        <a:effectLst/>
-      </p:bgPr>
-    </p:bg>
-    <p:spTree>
-      <p:nvGrpSpPr>
-        <p:cNvPr id="1" name=""/>
-        <p:cNvGrpSpPr/>
-        <p:nvPr/>
-      </p:nvGrpSpPr>
-      <p:grpSpPr/>
-      <p:sp>
-        <p:nvSpPr>
-          <p:cNvPr id="2" name="标题 1"/>
-          <p:cNvSpPr>
-            <a:spLocks noGrp="1"/>
-          </p:cNvSpPr>
-          <p:nvPr>
-            <p:ph type="title"/>
-          </p:nvPr>
-        </p:nvSpPr>
-        <p:spPr/>
-        <p:txBody>
-          <a:bodyPr/>
-          <a:p>
-            <a:pPr algn="ctr"/>
-            <a:r>
-              <a:rPr lang="en-US" altLang="en-US" sz="3200">
-                <a:latin typeface="新宋体" panose="02010609030101010101" charset="-122"/>
-                <a:ea typeface="新宋体" panose="02010609030101010101" charset="-122"/>
-                <a:cs typeface="新宋体" panose="02010609030101010101" charset="-122"/>
-                <a:sym typeface="+mn-ea"/>
-              </a:rPr>
-              <a:t>Minimum Beautiful Product</a:t>
-            </a:r>
-            <a:r>
-              <a:rPr lang="zh-CN" altLang="en-US" sz="3200">
-                <a:latin typeface="新宋体" panose="02010609030101010101" charset="-122"/>
-                <a:ea typeface="新宋体" panose="02010609030101010101" charset="-122"/>
-                <a:cs typeface="新宋体" panose="02010609030101010101" charset="-122"/>
-                <a:sym typeface="+mn-ea"/>
-              </a:rPr>
-              <a:t>（</a:t>
-            </a:r>
-            <a:r>
-              <a:rPr lang="en-US" altLang="en-US" sz="3200">
-                <a:latin typeface="新宋体" panose="02010609030101010101" charset="-122"/>
-                <a:ea typeface="新宋体" panose="02010609030101010101" charset="-122"/>
-                <a:cs typeface="新宋体" panose="02010609030101010101" charset="-122"/>
-                <a:sym typeface="+mn-ea"/>
-              </a:rPr>
-              <a:t>MBP</a:t>
-            </a:r>
-            <a:r>
-              <a:rPr lang="zh-CN" altLang="en-US" sz="3200">
-                <a:latin typeface="新宋体" panose="02010609030101010101" charset="-122"/>
-                <a:ea typeface="新宋体" panose="02010609030101010101" charset="-122"/>
-                <a:cs typeface="新宋体" panose="02010609030101010101" charset="-122"/>
-                <a:sym typeface="+mn-ea"/>
-              </a:rPr>
-              <a:t>）</a:t>
-            </a:r>
-            <a:r>
-              <a:rPr lang="en-US" altLang="zh-CN" sz="3200">
-                <a:latin typeface="新宋体" panose="02010609030101010101" charset="-122"/>
-                <a:ea typeface="新宋体" panose="02010609030101010101" charset="-122"/>
-                <a:cs typeface="新宋体" panose="02010609030101010101" charset="-122"/>
-                <a:sym typeface="+mn-ea"/>
-              </a:rPr>
-              <a:t>——</a:t>
-            </a:r>
-            <a:r>
-              <a:rPr lang="zh-CN" altLang="en-US" sz="3200">
-                <a:latin typeface="新宋体" panose="02010609030101010101" charset="-122"/>
-                <a:ea typeface="新宋体" panose="02010609030101010101" charset="-122"/>
-                <a:cs typeface="新宋体" panose="02010609030101010101" charset="-122"/>
-                <a:sym typeface="+mn-ea"/>
-              </a:rPr>
-              <a:t>最强最美产品</a:t>
-            </a:r>
-            <a:endParaRPr lang="zh-CN" altLang="en-US" sz="3200"/>
-          </a:p>
-        </p:txBody>
-      </p:sp>
-      <p:sp>
-        <p:nvSpPr>
-          <p:cNvPr id="3" name="内容占位符 2"/>
-          <p:cNvSpPr>
-            <a:spLocks noGrp="1"/>
-          </p:cNvSpPr>
-          <p:nvPr>
-            <p:ph idx="1"/>
-          </p:nvPr>
-        </p:nvSpPr>
-        <p:spPr/>
-        <p:txBody>
-          <a:bodyPr/>
-          <a:p>
-            <a:pPr marL="0" indent="0">
-              <a:lnSpc>
-                <a:spcPct val="100000"/>
-              </a:lnSpc>
-              <a:buNone/>
-            </a:pPr>
-            <a:r>
-              <a:rPr lang="zh-CN" altLang="en-US" sz="2800">
-                <a:latin typeface="楷体" panose="02010609060101010101" charset="-122"/>
-                <a:ea typeface="楷体" panose="02010609060101010101" charset="-122"/>
-                <a:cs typeface="楷体" panose="02010609060101010101" charset="-122"/>
-              </a:rPr>
-              <a:t>与</a:t>
-            </a:r>
-            <a:r>
-              <a:rPr lang="en-US" altLang="zh-CN" sz="2800">
-                <a:latin typeface="楷体" panose="02010609060101010101" charset="-122"/>
-                <a:ea typeface="楷体" panose="02010609060101010101" charset="-122"/>
-                <a:cs typeface="楷体" panose="02010609060101010101" charset="-122"/>
-              </a:rPr>
-              <a:t>MVP</a:t>
-            </a:r>
-            <a:r>
-              <a:rPr lang="zh-CN" altLang="en-US" sz="2800">
-                <a:latin typeface="楷体" panose="02010609060101010101" charset="-122"/>
-                <a:ea typeface="楷体" panose="02010609060101010101" charset="-122"/>
-                <a:cs typeface="楷体" panose="02010609060101010101" charset="-122"/>
-              </a:rPr>
-              <a:t>相对应，当团队对用户需求都很熟悉很清楚，甚至比用户更了解用户需求时，可以把产品最美、最完整的形态展现出来，一举征服用户的心，但这对产品团队要求很高。</a:t>
-            </a:r>
-            <a:endParaRPr lang="zh-CN" altLang="en-US" sz="2800">
-              <a:latin typeface="楷体" panose="02010609060101010101" charset="-122"/>
-              <a:ea typeface="楷体" panose="02010609060101010101" charset="-122"/>
-              <a:cs typeface="楷体" panose="02010609060101010101" charset="-122"/>
-            </a:endParaRPr>
-          </a:p>
-        </p:txBody>
-      </p:sp>
-    </p:spTree>
-    <p:custDataLst>
-      <p:tags r:id="rId1"/>
-    </p:custDataLst>
-  </p:cSld>
-  <p:clrMapOvr>
-    <a:masterClrMapping/>
-  </p:clrMapOvr>
-</p:sld>
-</file>
-
-<file path=ppt/slides/slide28.xml><?xml version="1.0" encoding="utf-8"?>
-<p:sld xmlns:a="http://schemas.openxmlformats.org/drawingml/2006/main" xmlns:r="http://schemas.openxmlformats.org/officeDocument/2006/relationships" xmlns:p="http://schemas.openxmlformats.org/presentationml/2006/main">
-  <p:cSld>
-    <p:bg>
-      <p:bgPr>
-        <a:gradFill>
-          <a:gsLst>
-            <a:gs pos="0">
-              <a:srgbClr val="14CD68"/>
-            </a:gs>
-            <a:gs pos="100000">
-              <a:srgbClr val="035C7D"/>
-            </a:gs>
-          </a:gsLst>
-          <a:lin ang="5400000" scaled="0"/>
-        </a:gradFill>
-        <a:effectLst/>
-      </p:bgPr>
-    </p:bg>
-    <p:spTree>
-      <p:nvGrpSpPr>
-        <p:cNvPr id="1" name=""/>
-        <p:cNvGrpSpPr/>
-        <p:nvPr/>
-      </p:nvGrpSpPr>
-      <p:grpSpPr/>
-      <p:sp>
-        <p:nvSpPr>
-          <p:cNvPr id="2" name="标题 1"/>
-          <p:cNvSpPr>
-            <a:spLocks noGrp="1"/>
-          </p:cNvSpPr>
-          <p:nvPr>
-            <p:ph type="title"/>
-          </p:nvPr>
-        </p:nvSpPr>
-        <p:spPr/>
-        <p:txBody>
-          <a:bodyPr>
-            <a:scene3d>
-              <a:camera prst="orthographicFront"/>
-              <a:lightRig rig="threePt" dir="t"/>
-            </a:scene3d>
-          </a:bodyPr>
-          <a:p>
-            <a:pPr algn="ctr"/>
-            <a:r>
-              <a:rPr lang="en-US" altLang="zh-CN" sz="4000">
-                <a:ln/>
-                <a:solidFill>
-                  <a:schemeClr val="tx1"/>
-                </a:solidFill>
-                <a:effectLst>
-                  <a:outerShdw blurRad="38100" dist="19050" dir="2700000" algn="tl" rotWithShape="0">
-                    <a:schemeClr val="dk1">
-                      <a:alpha val="40000"/>
-                    </a:schemeClr>
-                  </a:outerShdw>
-                </a:effectLst>
-                <a:latin typeface="新宋体" panose="02010609030101010101" charset="-122"/>
-                <a:ea typeface="新宋体" panose="02010609030101010101" charset="-122"/>
-                <a:cs typeface="新宋体" panose="02010609030101010101" charset="-122"/>
-              </a:rPr>
-              <a:t>7.TSP</a:t>
-            </a:r>
-            <a:r>
-              <a:rPr lang="zh-CN" altLang="zh-CN" sz="4000">
-                <a:ln/>
-                <a:solidFill>
-                  <a:schemeClr val="tx1"/>
-                </a:solidFill>
-                <a:effectLst>
-                  <a:outerShdw blurRad="38100" dist="19050" dir="2700000" algn="tl" rotWithShape="0">
-                    <a:schemeClr val="dk1">
-                      <a:alpha val="40000"/>
-                    </a:schemeClr>
-                  </a:outerShdw>
-                </a:effectLst>
-                <a:latin typeface="新宋体" panose="02010609030101010101" charset="-122"/>
-                <a:ea typeface="新宋体" panose="02010609030101010101" charset="-122"/>
-                <a:cs typeface="新宋体" panose="02010609030101010101" charset="-122"/>
-              </a:rPr>
-              <a:t>（</a:t>
-            </a:r>
-            <a:r>
-              <a:rPr lang="en-US" altLang="zh-CN" sz="4000">
-                <a:ln/>
-                <a:solidFill>
-                  <a:schemeClr val="tx1"/>
-                </a:solidFill>
-                <a:effectLst>
-                  <a:outerShdw blurRad="38100" dist="19050" dir="2700000" algn="tl" rotWithShape="0">
-                    <a:schemeClr val="dk1">
-                      <a:alpha val="40000"/>
-                    </a:schemeClr>
-                  </a:outerShdw>
-                </a:effectLst>
-                <a:latin typeface="新宋体" panose="02010609030101010101" charset="-122"/>
-                <a:ea typeface="新宋体" panose="02010609030101010101" charset="-122"/>
-                <a:cs typeface="新宋体" panose="02010609030101010101" charset="-122"/>
-              </a:rPr>
-              <a:t>Team Software Process</a:t>
-            </a:r>
-            <a:r>
-              <a:rPr lang="zh-CN" altLang="en-US" sz="4000">
-                <a:ln/>
-                <a:solidFill>
-                  <a:schemeClr val="tx1"/>
-                </a:solidFill>
-                <a:effectLst>
-                  <a:outerShdw blurRad="38100" dist="19050" dir="2700000" algn="tl" rotWithShape="0">
-                    <a:schemeClr val="dk1">
-                      <a:alpha val="40000"/>
-                    </a:schemeClr>
-                  </a:outerShdw>
-                </a:effectLst>
-                <a:latin typeface="新宋体" panose="02010609030101010101" charset="-122"/>
-                <a:ea typeface="新宋体" panose="02010609030101010101" charset="-122"/>
-                <a:cs typeface="新宋体" panose="02010609030101010101" charset="-122"/>
-              </a:rPr>
-              <a:t>）</a:t>
-            </a:r>
-            <a:r>
-              <a:rPr lang="zh-CN" altLang="zh-CN" sz="4000">
-                <a:ln/>
-                <a:solidFill>
-                  <a:schemeClr val="tx1"/>
-                </a:solidFill>
-                <a:effectLst>
-                  <a:outerShdw blurRad="38100" dist="19050" dir="2700000" algn="tl" rotWithShape="0">
-                    <a:schemeClr val="dk1">
-                      <a:alpha val="40000"/>
-                    </a:schemeClr>
-                  </a:outerShdw>
-                </a:effectLst>
-                <a:latin typeface="新宋体" panose="02010609030101010101" charset="-122"/>
-                <a:ea typeface="新宋体" panose="02010609030101010101" charset="-122"/>
-                <a:cs typeface="新宋体" panose="02010609030101010101" charset="-122"/>
-              </a:rPr>
-              <a:t>的原则</a:t>
-            </a:r>
-            <a:endParaRPr lang="zh-CN" altLang="zh-CN" sz="4000">
-              <a:ln/>
-              <a:solidFill>
-                <a:schemeClr val="tx1"/>
-              </a:solidFill>
-              <a:effectLst>
-                <a:outerShdw blurRad="38100" dist="19050" dir="2700000" algn="tl" rotWithShape="0">
-                  <a:schemeClr val="dk1">
-                    <a:alpha val="40000"/>
-                  </a:schemeClr>
-                </a:outerShdw>
-              </a:effectLst>
-              <a:latin typeface="新宋体" panose="02010609030101010101" charset="-122"/>
-              <a:ea typeface="新宋体" panose="02010609030101010101" charset="-122"/>
-              <a:cs typeface="新宋体" panose="02010609030101010101" charset="-122"/>
-            </a:endParaRPr>
-          </a:p>
-        </p:txBody>
-      </p:sp>
-      <p:sp>
-        <p:nvSpPr>
-          <p:cNvPr id="3" name="内容占位符 2"/>
-          <p:cNvSpPr>
-            <a:spLocks noGrp="1"/>
-          </p:cNvSpPr>
-          <p:nvPr>
-            <p:ph idx="1"/>
-          </p:nvPr>
-        </p:nvSpPr>
-        <p:spPr/>
-        <p:txBody>
-          <a:bodyPr/>
-          <a:p>
-            <a:pPr marL="457200" indent="-457200">
-              <a:buAutoNum type="arabicPeriod"/>
-            </a:pPr>
-            <a:r>
-              <a:rPr lang="zh-CN" altLang="zh-CN">
-                <a:latin typeface="楷体" panose="02010609060101010101" charset="-122"/>
-                <a:ea typeface="楷体" panose="02010609060101010101" charset="-122"/>
-              </a:rPr>
-              <a:t>使用妥善定义的流程，每一步都是可重复、可衡量结果的。</a:t>
-            </a:r>
-            <a:endParaRPr lang="zh-CN" altLang="zh-CN">
-              <a:latin typeface="楷体" panose="02010609060101010101" charset="-122"/>
-              <a:ea typeface="楷体" panose="02010609060101010101" charset="-122"/>
-            </a:endParaRPr>
-          </a:p>
-          <a:p>
-            <a:pPr marL="457200" indent="-457200">
-              <a:buAutoNum type="arabicPeriod"/>
-            </a:pPr>
-            <a:r>
-              <a:rPr lang="zh-CN" altLang="zh-CN">
-                <a:latin typeface="楷体" panose="02010609060101010101" charset="-122"/>
-                <a:ea typeface="楷体" panose="02010609060101010101" charset="-122"/>
-              </a:rPr>
-              <a:t>团队的各个成员对团队的目标、角色、产品都有统一理解。</a:t>
-            </a:r>
-            <a:endParaRPr lang="zh-CN" altLang="zh-CN">
-              <a:latin typeface="楷体" panose="02010609060101010101" charset="-122"/>
-              <a:ea typeface="楷体" panose="02010609060101010101" charset="-122"/>
-            </a:endParaRPr>
-          </a:p>
-          <a:p>
-            <a:pPr marL="457200" indent="-457200">
-              <a:buAutoNum type="arabicPeriod"/>
-            </a:pPr>
-            <a:r>
-              <a:rPr lang="zh-CN" altLang="zh-CN">
-                <a:latin typeface="楷体" panose="02010609060101010101" charset="-122"/>
-                <a:ea typeface="楷体" panose="02010609060101010101" charset="-122"/>
-              </a:rPr>
-              <a:t>尽可能使用成熟的技术和做法。</a:t>
-            </a:r>
-            <a:endParaRPr lang="zh-CN" altLang="zh-CN">
-              <a:latin typeface="楷体" panose="02010609060101010101" charset="-122"/>
-              <a:ea typeface="楷体" panose="02010609060101010101" charset="-122"/>
-            </a:endParaRPr>
-          </a:p>
-          <a:p>
-            <a:pPr marL="457200" indent="-457200">
-              <a:buAutoNum type="arabicPeriod"/>
-            </a:pPr>
-            <a:r>
-              <a:rPr lang="zh-CN" altLang="zh-CN">
-                <a:latin typeface="楷体" panose="02010609060101010101" charset="-122"/>
-                <a:ea typeface="楷体" panose="02010609060101010101" charset="-122"/>
-              </a:rPr>
-              <a:t>尽可能多地收集各种数据，哪怕对团队不利的数据，并用数据来帮助团队做出合理决定。</a:t>
-            </a:r>
-            <a:endParaRPr lang="zh-CN" altLang="zh-CN">
-              <a:latin typeface="楷体" panose="02010609060101010101" charset="-122"/>
-              <a:ea typeface="楷体" panose="02010609060101010101" charset="-122"/>
-            </a:endParaRPr>
-          </a:p>
-          <a:p>
-            <a:pPr marL="457200" indent="-457200">
-              <a:buAutoNum type="arabicPeriod"/>
-            </a:pPr>
-            <a:r>
-              <a:rPr lang="zh-CN" altLang="zh-CN">
-                <a:latin typeface="楷体" panose="02010609060101010101" charset="-122"/>
-                <a:ea typeface="楷体" panose="02010609060101010101" charset="-122"/>
-              </a:rPr>
-              <a:t>制定切合实际的计划和承诺，团队计划要由负责具体执行的角色而不是直接上级来制定</a:t>
-            </a:r>
-            <a:r>
-              <a:rPr lang="zh-CN" altLang="zh-CN">
-                <a:latin typeface="楷体" panose="02010609060101010101" charset="-122"/>
-                <a:ea typeface="楷体" panose="02010609060101010101" charset="-122"/>
-                <a:sym typeface="+mn-ea"/>
-              </a:rPr>
-              <a:t>，减少不懂行的上级</a:t>
-            </a:r>
-            <a:r>
-              <a:rPr lang="en-US" altLang="zh-CN">
-                <a:latin typeface="楷体" panose="02010609060101010101" charset="-122"/>
-                <a:ea typeface="楷体" panose="02010609060101010101" charset="-122"/>
-                <a:sym typeface="+mn-ea"/>
-              </a:rPr>
-              <a:t>“</a:t>
-            </a:r>
-            <a:r>
-              <a:rPr lang="zh-CN" altLang="en-US">
-                <a:latin typeface="楷体" panose="02010609060101010101" charset="-122"/>
-                <a:ea typeface="楷体" panose="02010609060101010101" charset="-122"/>
-                <a:sym typeface="+mn-ea"/>
-              </a:rPr>
-              <a:t>瞎指挥</a:t>
-            </a:r>
-            <a:r>
-              <a:rPr lang="en-US" altLang="zh-CN">
-                <a:latin typeface="楷体" panose="02010609060101010101" charset="-122"/>
-                <a:ea typeface="楷体" panose="02010609060101010101" charset="-122"/>
-                <a:sym typeface="+mn-ea"/>
-              </a:rPr>
-              <a:t>”</a:t>
-            </a:r>
-            <a:r>
-              <a:rPr lang="zh-CN" altLang="en-US">
-                <a:latin typeface="楷体" panose="02010609060101010101" charset="-122"/>
-                <a:ea typeface="楷体" panose="02010609060101010101" charset="-122"/>
-                <a:sym typeface="+mn-ea"/>
-              </a:rPr>
-              <a:t>造成的负面影响。</a:t>
-            </a:r>
-            <a:endParaRPr lang="zh-CN" altLang="en-US">
-              <a:latin typeface="楷体" panose="02010609060101010101" charset="-122"/>
-              <a:ea typeface="楷体" panose="02010609060101010101" charset="-122"/>
-              <a:sym typeface="+mn-ea"/>
-            </a:endParaRPr>
-          </a:p>
-          <a:p>
-            <a:pPr marL="457200" indent="-457200">
-              <a:buAutoNum type="arabicPeriod"/>
-            </a:pPr>
-            <a:r>
-              <a:rPr lang="zh-CN" altLang="zh-CN">
-                <a:latin typeface="楷体" panose="02010609060101010101" charset="-122"/>
-                <a:ea typeface="楷体" panose="02010609060101010101" charset="-122"/>
-              </a:rPr>
-              <a:t>增加团队的自我管理能力。</a:t>
-            </a:r>
-            <a:endParaRPr lang="zh-CN" altLang="zh-CN">
-              <a:latin typeface="楷体" panose="02010609060101010101" charset="-122"/>
-              <a:ea typeface="楷体" panose="02010609060101010101" charset="-122"/>
-            </a:endParaRPr>
-          </a:p>
-          <a:p>
-            <a:pPr marL="457200" indent="-457200">
-              <a:buAutoNum type="arabicPeriod"/>
-            </a:pPr>
-            <a:r>
-              <a:rPr lang="zh-CN" altLang="zh-CN">
-                <a:latin typeface="楷体" panose="02010609060101010101" charset="-122"/>
-                <a:ea typeface="楷体" panose="02010609060101010101" charset="-122"/>
-              </a:rPr>
-              <a:t>专注于提高质量，争取在软件生命周期的早期发现问题而不是在后期匆忙修复问题</a:t>
-            </a:r>
-            <a:r>
-              <a:rPr lang="en-US" altLang="zh-CN">
-                <a:latin typeface="楷体" panose="02010609060101010101" charset="-122"/>
-                <a:ea typeface="楷体" panose="02010609060101010101" charset="-122"/>
-              </a:rPr>
-              <a:t>——</a:t>
-            </a:r>
-            <a:r>
-              <a:rPr lang="zh-CN" altLang="en-US">
-                <a:latin typeface="楷体" panose="02010609060101010101" charset="-122"/>
-                <a:ea typeface="楷体" panose="02010609060101010101" charset="-122"/>
-              </a:rPr>
-              <a:t>最有效的办法：做全面细致的设计工作。</a:t>
-            </a:r>
-            <a:endParaRPr lang="zh-CN" altLang="en-US">
-              <a:latin typeface="楷体" panose="02010609060101010101" charset="-122"/>
-              <a:ea typeface="楷体" panose="02010609060101010101" charset="-122"/>
-            </a:endParaRPr>
-          </a:p>
-        </p:txBody>
-      </p:sp>
-    </p:spTree>
-    <p:custDataLst>
-      <p:tags r:id="rId1"/>
     </p:custDataLst>
   </p:cSld>
   <p:clrMapOvr>
@@ -21697,6 +22254,948 @@
     </p:spTree>
     <p:custDataLst>
       <p:tags r:id="rId8"/>
+    </p:custDataLst>
+  </p:cSld>
+  <p:clrMapOvr>
+    <a:masterClrMapping/>
+  </p:clrMapOvr>
+</p:sld>
+</file>
+
+<file path=ppt/slides/slide30.xml><?xml version="1.0" encoding="utf-8"?>
+<p:sld xmlns:a="http://schemas.openxmlformats.org/drawingml/2006/main" xmlns:r="http://schemas.openxmlformats.org/officeDocument/2006/relationships" xmlns:p="http://schemas.openxmlformats.org/presentationml/2006/main">
+  <p:cSld>
+    <p:bg>
+      <p:bgPr>
+        <a:gradFill>
+          <a:gsLst>
+            <a:gs pos="0">
+              <a:srgbClr val="14CD68"/>
+            </a:gs>
+            <a:gs pos="100000">
+              <a:srgbClr val="035C7D"/>
+            </a:gs>
+          </a:gsLst>
+          <a:lin ang="5400000" scaled="0"/>
+        </a:gradFill>
+        <a:effectLst/>
+      </p:bgPr>
+    </p:bg>
+    <p:spTree>
+      <p:nvGrpSpPr>
+        <p:cNvPr id="1" name=""/>
+        <p:cNvGrpSpPr/>
+        <p:nvPr/>
+      </p:nvGrpSpPr>
+      <p:grpSpPr/>
+      <p:sp>
+        <p:nvSpPr>
+          <p:cNvPr id="3" name="内容占位符 2"/>
+          <p:cNvSpPr>
+            <a:spLocks noGrp="1"/>
+          </p:cNvSpPr>
+          <p:nvPr>
+            <p:ph idx="1"/>
+          </p:nvPr>
+        </p:nvSpPr>
+        <p:spPr>
+          <a:xfrm>
+            <a:off x="838200" y="1253490"/>
+            <a:ext cx="10515600" cy="4351338"/>
+          </a:xfrm>
+        </p:spPr>
+        <p:txBody>
+          <a:bodyPr/>
+          <a:p>
+            <a:pPr marL="0" indent="0">
+              <a:buNone/>
+            </a:pPr>
+            <a:r>
+              <a:rPr lang="zh-CN" altLang="en-US" sz="2800">
+                <a:latin typeface="楷体" panose="02010609060101010101" charset="-122"/>
+                <a:ea typeface="楷体" panose="02010609060101010101" charset="-122"/>
+              </a:rPr>
+              <a:t>不断循环这个流程：开发</a:t>
+            </a:r>
+            <a:r>
+              <a:rPr lang="en-US" altLang="zh-CN" sz="2800">
+                <a:latin typeface="楷体" panose="02010609060101010101" charset="-122"/>
+                <a:ea typeface="楷体" panose="02010609060101010101" charset="-122"/>
+              </a:rPr>
+              <a:t>→</a:t>
+            </a:r>
+            <a:r>
+              <a:rPr lang="zh-CN" altLang="en-US" sz="2800">
+                <a:latin typeface="楷体" panose="02010609060101010101" charset="-122"/>
+                <a:ea typeface="楷体" panose="02010609060101010101" charset="-122"/>
+              </a:rPr>
+              <a:t>发布</a:t>
+            </a:r>
+            <a:r>
+              <a:rPr lang="en-US" altLang="zh-CN" sz="2800">
+                <a:latin typeface="楷体" panose="02010609060101010101" charset="-122"/>
+                <a:ea typeface="楷体" panose="02010609060101010101" charset="-122"/>
+              </a:rPr>
+              <a:t>→</a:t>
+            </a:r>
+            <a:r>
+              <a:rPr lang="zh-CN" altLang="en-US" sz="2800">
+                <a:latin typeface="楷体" panose="02010609060101010101" charset="-122"/>
+                <a:ea typeface="楷体" panose="02010609060101010101" charset="-122"/>
+              </a:rPr>
+              <a:t>听取反馈</a:t>
+            </a:r>
+            <a:r>
+              <a:rPr lang="en-US" altLang="zh-CN" sz="2800">
+                <a:latin typeface="楷体" panose="02010609060101010101" charset="-122"/>
+                <a:ea typeface="楷体" panose="02010609060101010101" charset="-122"/>
+              </a:rPr>
+              <a:t>→</a:t>
+            </a:r>
+            <a:r>
+              <a:rPr lang="zh-CN" altLang="en-US" sz="2800">
+                <a:latin typeface="楷体" panose="02010609060101010101" charset="-122"/>
+                <a:ea typeface="楷体" panose="02010609060101010101" charset="-122"/>
+              </a:rPr>
+              <a:t>根据反馈做改进。</a:t>
+            </a:r>
+            <a:endParaRPr lang="zh-CN" altLang="en-US" sz="2800">
+              <a:latin typeface="楷体" panose="02010609060101010101" charset="-122"/>
+              <a:ea typeface="楷体" panose="02010609060101010101" charset="-122"/>
+            </a:endParaRPr>
+          </a:p>
+          <a:p>
+            <a:pPr marL="0" indent="0">
+              <a:buNone/>
+            </a:pPr>
+            <a:r>
+              <a:rPr lang="zh-CN" altLang="en-US" sz="2800">
+                <a:latin typeface="楷体" panose="02010609060101010101" charset="-122"/>
+                <a:ea typeface="楷体" panose="02010609060101010101" charset="-122"/>
+              </a:rPr>
+              <a:t>重复这个循环，直到满足下面条件之一：</a:t>
+            </a:r>
+            <a:endParaRPr lang="zh-CN" altLang="en-US" sz="2800">
+              <a:latin typeface="楷体" panose="02010609060101010101" charset="-122"/>
+              <a:ea typeface="楷体" panose="02010609060101010101" charset="-122"/>
+            </a:endParaRPr>
+          </a:p>
+          <a:p>
+            <a:r>
+              <a:rPr lang="zh-CN" altLang="en-US" sz="2800">
+                <a:latin typeface="楷体" panose="02010609060101010101" charset="-122"/>
+                <a:ea typeface="楷体" panose="02010609060101010101" charset="-122"/>
+              </a:rPr>
+              <a:t>时间截止</a:t>
+            </a:r>
+            <a:endParaRPr lang="zh-CN" altLang="en-US" sz="2800">
+              <a:latin typeface="楷体" panose="02010609060101010101" charset="-122"/>
+              <a:ea typeface="楷体" panose="02010609060101010101" charset="-122"/>
+            </a:endParaRPr>
+          </a:p>
+          <a:p>
+            <a:r>
+              <a:rPr lang="zh-CN" altLang="en-US" sz="2800">
+                <a:latin typeface="楷体" panose="02010609060101010101" charset="-122"/>
+                <a:ea typeface="楷体" panose="02010609060101010101" charset="-122"/>
+              </a:rPr>
+              <a:t>没钱了</a:t>
+            </a:r>
+            <a:endParaRPr lang="zh-CN" altLang="en-US" sz="2800">
+              <a:latin typeface="楷体" panose="02010609060101010101" charset="-122"/>
+              <a:ea typeface="楷体" panose="02010609060101010101" charset="-122"/>
+            </a:endParaRPr>
+          </a:p>
+          <a:p>
+            <a:r>
+              <a:rPr lang="zh-CN" altLang="en-US" sz="2800">
+                <a:latin typeface="楷体" panose="02010609060101010101" charset="-122"/>
+                <a:ea typeface="楷体" panose="02010609060101010101" charset="-122"/>
+              </a:rPr>
+              <a:t>用户满意了或者用户很不满意不再给钱了</a:t>
+            </a:r>
+            <a:endParaRPr lang="zh-CN" altLang="en-US" sz="2800">
+              <a:latin typeface="楷体" panose="02010609060101010101" charset="-122"/>
+              <a:ea typeface="楷体" panose="02010609060101010101" charset="-122"/>
+            </a:endParaRPr>
+          </a:p>
+        </p:txBody>
+      </p:sp>
+    </p:spTree>
+    <p:custDataLst>
+      <p:tags r:id="rId1"/>
+    </p:custDataLst>
+  </p:cSld>
+  <p:clrMapOvr>
+    <a:masterClrMapping/>
+  </p:clrMapOvr>
+</p:sld>
+</file>
+
+<file path=ppt/slides/slide31.xml><?xml version="1.0" encoding="utf-8"?>
+<p:sld xmlns:a="http://schemas.openxmlformats.org/drawingml/2006/main" xmlns:r="http://schemas.openxmlformats.org/officeDocument/2006/relationships" xmlns:p="http://schemas.openxmlformats.org/presentationml/2006/main">
+  <p:cSld>
+    <p:bg>
+      <p:bgPr>
+        <a:gradFill>
+          <a:gsLst>
+            <a:gs pos="0">
+              <a:srgbClr val="14CD68"/>
+            </a:gs>
+            <a:gs pos="100000">
+              <a:srgbClr val="035C7D"/>
+            </a:gs>
+          </a:gsLst>
+          <a:lin ang="5400000" scaled="0"/>
+        </a:gradFill>
+        <a:effectLst/>
+      </p:bgPr>
+    </p:bg>
+    <p:spTree>
+      <p:nvGrpSpPr>
+        <p:cNvPr id="1" name=""/>
+        <p:cNvGrpSpPr/>
+        <p:nvPr/>
+      </p:nvGrpSpPr>
+      <p:grpSpPr/>
+      <p:sp>
+        <p:nvSpPr>
+          <p:cNvPr id="3" name="内容占位符 2"/>
+          <p:cNvSpPr>
+            <a:spLocks noGrp="1"/>
+          </p:cNvSpPr>
+          <p:nvPr>
+            <p:ph idx="1"/>
+          </p:nvPr>
+        </p:nvSpPr>
+        <p:spPr>
+          <a:xfrm>
+            <a:off x="838200" y="1253490"/>
+            <a:ext cx="10515600" cy="4351338"/>
+          </a:xfrm>
+        </p:spPr>
+        <p:txBody>
+          <a:bodyPr/>
+          <a:p>
+            <a:pPr marL="0" indent="0">
+              <a:lnSpc>
+                <a:spcPct val="100000"/>
+              </a:lnSpc>
+              <a:buNone/>
+            </a:pPr>
+            <a:r>
+              <a:rPr lang="zh-CN" altLang="en-US" sz="2800">
+                <a:latin typeface="楷体" panose="02010609060101010101" charset="-122"/>
+                <a:ea typeface="楷体" panose="02010609060101010101" charset="-122"/>
+              </a:rPr>
+              <a:t>如果在产品渐进交付的流程中，第一版问世之后，用户就很不满意，完全没有继续购买的意愿，那么整个团队都在浪费时间和金钱。产品团队得到用户反馈太晚了，来不及做出</a:t>
+            </a:r>
+            <a:r>
+              <a:rPr lang="en-US" altLang="zh-CN" sz="2800">
+                <a:latin typeface="楷体" panose="02010609060101010101" charset="-122"/>
+                <a:ea typeface="楷体" panose="02010609060101010101" charset="-122"/>
+              </a:rPr>
+              <a:t>B</a:t>
+            </a:r>
+            <a:r>
+              <a:rPr lang="zh-CN" altLang="en-US" sz="2800">
+                <a:latin typeface="楷体" panose="02010609060101010101" charset="-122"/>
+                <a:ea typeface="楷体" panose="02010609060101010101" charset="-122"/>
+              </a:rPr>
+              <a:t>方案。为了解决这个问题，</a:t>
+            </a:r>
+            <a:r>
+              <a:rPr lang="en-US" altLang="zh-CN" sz="2800">
+                <a:latin typeface="楷体" panose="02010609060101010101" charset="-122"/>
+                <a:ea typeface="楷体" panose="02010609060101010101" charset="-122"/>
+              </a:rPr>
+              <a:t>MVP</a:t>
+            </a:r>
+            <a:r>
+              <a:rPr lang="zh-CN" altLang="en-US" sz="2800">
+                <a:latin typeface="楷体" panose="02010609060101010101" charset="-122"/>
+                <a:ea typeface="楷体" panose="02010609060101010101" charset="-122"/>
+              </a:rPr>
+              <a:t>方法应运而生。</a:t>
+            </a:r>
+            <a:endParaRPr lang="zh-CN" altLang="en-US" sz="2800">
+              <a:latin typeface="楷体" panose="02010609060101010101" charset="-122"/>
+              <a:ea typeface="楷体" panose="02010609060101010101" charset="-122"/>
+            </a:endParaRPr>
+          </a:p>
+        </p:txBody>
+      </p:sp>
+    </p:spTree>
+    <p:custDataLst>
+      <p:tags r:id="rId1"/>
+    </p:custDataLst>
+  </p:cSld>
+  <p:clrMapOvr>
+    <a:masterClrMapping/>
+  </p:clrMapOvr>
+</p:sld>
+</file>
+
+<file path=ppt/slides/slide32.xml><?xml version="1.0" encoding="utf-8"?>
+<p:sld xmlns:a="http://schemas.openxmlformats.org/drawingml/2006/main" xmlns:r="http://schemas.openxmlformats.org/officeDocument/2006/relationships" xmlns:p="http://schemas.openxmlformats.org/presentationml/2006/main">
+  <p:cSld>
+    <p:bg>
+      <p:bgPr>
+        <a:gradFill>
+          <a:gsLst>
+            <a:gs pos="0">
+              <a:srgbClr val="14CD68"/>
+            </a:gs>
+            <a:gs pos="100000">
+              <a:srgbClr val="035C7D"/>
+            </a:gs>
+          </a:gsLst>
+          <a:lin ang="5400000" scaled="0"/>
+        </a:gradFill>
+        <a:effectLst/>
+      </p:bgPr>
+    </p:bg>
+    <p:spTree>
+      <p:nvGrpSpPr>
+        <p:cNvPr id="1" name=""/>
+        <p:cNvGrpSpPr/>
+        <p:nvPr/>
+      </p:nvGrpSpPr>
+      <p:grpSpPr/>
+      <p:sp>
+        <p:nvSpPr>
+          <p:cNvPr id="2" name="标题 1"/>
+          <p:cNvSpPr>
+            <a:spLocks noGrp="1"/>
+          </p:cNvSpPr>
+          <p:nvPr>
+            <p:ph type="title"/>
+          </p:nvPr>
+        </p:nvSpPr>
+        <p:spPr/>
+        <p:txBody>
+          <a:bodyPr>
+            <a:normAutofit/>
+          </a:bodyPr>
+          <a:p>
+            <a:pPr algn="ctr"/>
+            <a:r>
+              <a:rPr lang="en-US" altLang="en-US" sz="3600">
+                <a:latin typeface="新宋体" panose="02010609030101010101" charset="-122"/>
+                <a:ea typeface="新宋体" panose="02010609030101010101" charset="-122"/>
+                <a:cs typeface="新宋体" panose="02010609030101010101" charset="-122"/>
+              </a:rPr>
+              <a:t>Minimum Viable Product</a:t>
+            </a:r>
+            <a:r>
+              <a:rPr lang="zh-CN" altLang="en-US" sz="3600">
+                <a:latin typeface="新宋体" panose="02010609030101010101" charset="-122"/>
+                <a:ea typeface="新宋体" panose="02010609030101010101" charset="-122"/>
+                <a:cs typeface="新宋体" panose="02010609030101010101" charset="-122"/>
+              </a:rPr>
+              <a:t>（</a:t>
+            </a:r>
+            <a:r>
+              <a:rPr lang="en-US" altLang="en-US" sz="3600">
+                <a:latin typeface="新宋体" panose="02010609030101010101" charset="-122"/>
+                <a:ea typeface="新宋体" panose="02010609030101010101" charset="-122"/>
+                <a:cs typeface="新宋体" panose="02010609030101010101" charset="-122"/>
+              </a:rPr>
+              <a:t>MVP</a:t>
+            </a:r>
+            <a:r>
+              <a:rPr lang="zh-CN" altLang="en-US" sz="3600">
+                <a:latin typeface="新宋体" panose="02010609030101010101" charset="-122"/>
+                <a:ea typeface="新宋体" panose="02010609030101010101" charset="-122"/>
+                <a:cs typeface="新宋体" panose="02010609030101010101" charset="-122"/>
+              </a:rPr>
+              <a:t>）</a:t>
+            </a:r>
+            <a:r>
+              <a:rPr lang="en-US" altLang="zh-CN" sz="3600">
+                <a:latin typeface="新宋体" panose="02010609030101010101" charset="-122"/>
+                <a:ea typeface="新宋体" panose="02010609030101010101" charset="-122"/>
+                <a:cs typeface="新宋体" panose="02010609030101010101" charset="-122"/>
+              </a:rPr>
+              <a:t>——</a:t>
+            </a:r>
+            <a:r>
+              <a:rPr lang="zh-CN" altLang="en-US" sz="3600">
+                <a:latin typeface="新宋体" panose="02010609030101010101" charset="-122"/>
+                <a:ea typeface="新宋体" panose="02010609030101010101" charset="-122"/>
+                <a:cs typeface="新宋体" panose="02010609030101010101" charset="-122"/>
+              </a:rPr>
+              <a:t>最小可行产品</a:t>
+            </a:r>
+            <a:endParaRPr lang="zh-CN" altLang="en-US" sz="3600">
+              <a:latin typeface="新宋体" panose="02010609030101010101" charset="-122"/>
+              <a:ea typeface="新宋体" panose="02010609030101010101" charset="-122"/>
+              <a:cs typeface="新宋体" panose="02010609030101010101" charset="-122"/>
+            </a:endParaRPr>
+          </a:p>
+        </p:txBody>
+      </p:sp>
+      <p:sp>
+        <p:nvSpPr>
+          <p:cNvPr id="3" name="内容占位符 2"/>
+          <p:cNvSpPr>
+            <a:spLocks noGrp="1"/>
+          </p:cNvSpPr>
+          <p:nvPr>
+            <p:ph idx="1"/>
+          </p:nvPr>
+        </p:nvSpPr>
+        <p:spPr/>
+        <p:txBody>
+          <a:bodyPr/>
+          <a:p>
+            <a:pPr marL="0" indent="0">
+              <a:lnSpc>
+                <a:spcPct val="100000"/>
+              </a:lnSpc>
+              <a:buNone/>
+            </a:pPr>
+            <a:r>
+              <a:rPr lang="zh-CN" altLang="en-US" sz="2800">
+                <a:latin typeface="楷体" panose="02010609060101010101" charset="-122"/>
+                <a:ea typeface="楷体" panose="02010609060101010101" charset="-122"/>
+              </a:rPr>
+              <a:t>将产品最核心的功能用最小的成本实现或描绘出来，然后快速征求用户意见。其指导思想和渐进交付相似，只是强调更早获得用户反馈，同时强调产品的核心功能（产品最区别于其他竞争产品之处），为了突出核心功能，其他辅助性功能可以用其他平台提供的服务代替，甚至根本不予考虑，</a:t>
+            </a:r>
+            <a:r>
+              <a:rPr lang="zh-CN" altLang="en-US" sz="2800">
+                <a:latin typeface="楷体" panose="02010609060101010101" charset="-122"/>
+                <a:ea typeface="楷体" panose="02010609060101010101" charset="-122"/>
+                <a:sym typeface="+mn-ea"/>
+              </a:rPr>
+              <a:t>为此可以在产品完成之前就发布出来</a:t>
+            </a:r>
+            <a:r>
+              <a:rPr lang="zh-CN" altLang="en-US" sz="2800">
+                <a:latin typeface="楷体" panose="02010609060101010101" charset="-122"/>
+                <a:ea typeface="楷体" panose="02010609060101010101" charset="-122"/>
+              </a:rPr>
+              <a:t>。</a:t>
+            </a:r>
+            <a:endParaRPr lang="zh-CN" altLang="en-US" sz="2800">
+              <a:latin typeface="楷体" panose="02010609060101010101" charset="-122"/>
+              <a:ea typeface="楷体" panose="02010609060101010101" charset="-122"/>
+            </a:endParaRPr>
+          </a:p>
+        </p:txBody>
+      </p:sp>
+    </p:spTree>
+    <p:custDataLst>
+      <p:tags r:id="rId1"/>
+    </p:custDataLst>
+  </p:cSld>
+  <p:clrMapOvr>
+    <a:masterClrMapping/>
+  </p:clrMapOvr>
+</p:sld>
+</file>
+
+<file path=ppt/slides/slide33.xml><?xml version="1.0" encoding="utf-8"?>
+<p:sld xmlns:a="http://schemas.openxmlformats.org/drawingml/2006/main" xmlns:r="http://schemas.openxmlformats.org/officeDocument/2006/relationships" xmlns:p="http://schemas.openxmlformats.org/presentationml/2006/main">
+  <p:cSld>
+    <p:bg>
+      <p:bgPr>
+        <a:gradFill>
+          <a:gsLst>
+            <a:gs pos="0">
+              <a:srgbClr val="14CD68"/>
+            </a:gs>
+            <a:gs pos="100000">
+              <a:srgbClr val="035C7D"/>
+            </a:gs>
+          </a:gsLst>
+          <a:lin ang="5400000" scaled="0"/>
+        </a:gradFill>
+        <a:effectLst/>
+      </p:bgPr>
+    </p:bg>
+    <p:spTree>
+      <p:nvGrpSpPr>
+        <p:cNvPr id="1" name=""/>
+        <p:cNvGrpSpPr/>
+        <p:nvPr/>
+      </p:nvGrpSpPr>
+      <p:grpSpPr/>
+      <p:sp>
+        <p:nvSpPr>
+          <p:cNvPr id="2" name="标题 1"/>
+          <p:cNvSpPr>
+            <a:spLocks noGrp="1"/>
+          </p:cNvSpPr>
+          <p:nvPr>
+            <p:ph type="title"/>
+          </p:nvPr>
+        </p:nvSpPr>
+        <p:spPr/>
+        <p:txBody>
+          <a:bodyPr/>
+          <a:p>
+            <a:pPr algn="ctr"/>
+            <a:r>
+              <a:rPr lang="en-US" altLang="en-US" sz="3200">
+                <a:latin typeface="新宋体" panose="02010609030101010101" charset="-122"/>
+                <a:ea typeface="新宋体" panose="02010609030101010101" charset="-122"/>
+                <a:cs typeface="新宋体" panose="02010609030101010101" charset="-122"/>
+                <a:sym typeface="+mn-ea"/>
+              </a:rPr>
+              <a:t>Minimum Beautiful Product</a:t>
+            </a:r>
+            <a:r>
+              <a:rPr lang="zh-CN" altLang="en-US" sz="3200">
+                <a:latin typeface="新宋体" panose="02010609030101010101" charset="-122"/>
+                <a:ea typeface="新宋体" panose="02010609030101010101" charset="-122"/>
+                <a:cs typeface="新宋体" panose="02010609030101010101" charset="-122"/>
+                <a:sym typeface="+mn-ea"/>
+              </a:rPr>
+              <a:t>（</a:t>
+            </a:r>
+            <a:r>
+              <a:rPr lang="en-US" altLang="en-US" sz="3200">
+                <a:latin typeface="新宋体" panose="02010609030101010101" charset="-122"/>
+                <a:ea typeface="新宋体" panose="02010609030101010101" charset="-122"/>
+                <a:cs typeface="新宋体" panose="02010609030101010101" charset="-122"/>
+                <a:sym typeface="+mn-ea"/>
+              </a:rPr>
+              <a:t>MBP</a:t>
+            </a:r>
+            <a:r>
+              <a:rPr lang="zh-CN" altLang="en-US" sz="3200">
+                <a:latin typeface="新宋体" panose="02010609030101010101" charset="-122"/>
+                <a:ea typeface="新宋体" panose="02010609030101010101" charset="-122"/>
+                <a:cs typeface="新宋体" panose="02010609030101010101" charset="-122"/>
+                <a:sym typeface="+mn-ea"/>
+              </a:rPr>
+              <a:t>）</a:t>
+            </a:r>
+            <a:r>
+              <a:rPr lang="en-US" altLang="zh-CN" sz="3200">
+                <a:latin typeface="新宋体" panose="02010609030101010101" charset="-122"/>
+                <a:ea typeface="新宋体" panose="02010609030101010101" charset="-122"/>
+                <a:cs typeface="新宋体" panose="02010609030101010101" charset="-122"/>
+                <a:sym typeface="+mn-ea"/>
+              </a:rPr>
+              <a:t>——</a:t>
+            </a:r>
+            <a:r>
+              <a:rPr lang="zh-CN" altLang="en-US" sz="3200">
+                <a:latin typeface="新宋体" panose="02010609030101010101" charset="-122"/>
+                <a:ea typeface="新宋体" panose="02010609030101010101" charset="-122"/>
+                <a:cs typeface="新宋体" panose="02010609030101010101" charset="-122"/>
+                <a:sym typeface="+mn-ea"/>
+              </a:rPr>
+              <a:t>最强最美产品</a:t>
+            </a:r>
+            <a:endParaRPr lang="zh-CN" altLang="en-US" sz="3200"/>
+          </a:p>
+        </p:txBody>
+      </p:sp>
+      <p:sp>
+        <p:nvSpPr>
+          <p:cNvPr id="3" name="内容占位符 2"/>
+          <p:cNvSpPr>
+            <a:spLocks noGrp="1"/>
+          </p:cNvSpPr>
+          <p:nvPr>
+            <p:ph idx="1"/>
+          </p:nvPr>
+        </p:nvSpPr>
+        <p:spPr/>
+        <p:txBody>
+          <a:bodyPr/>
+          <a:p>
+            <a:pPr marL="0" indent="0">
+              <a:lnSpc>
+                <a:spcPct val="100000"/>
+              </a:lnSpc>
+              <a:buNone/>
+            </a:pPr>
+            <a:r>
+              <a:rPr lang="zh-CN" altLang="en-US" sz="2800">
+                <a:latin typeface="楷体" panose="02010609060101010101" charset="-122"/>
+                <a:ea typeface="楷体" panose="02010609060101010101" charset="-122"/>
+                <a:cs typeface="楷体" panose="02010609060101010101" charset="-122"/>
+              </a:rPr>
+              <a:t>与</a:t>
+            </a:r>
+            <a:r>
+              <a:rPr lang="en-US" altLang="zh-CN" sz="2800">
+                <a:latin typeface="楷体" panose="02010609060101010101" charset="-122"/>
+                <a:ea typeface="楷体" panose="02010609060101010101" charset="-122"/>
+                <a:cs typeface="楷体" panose="02010609060101010101" charset="-122"/>
+              </a:rPr>
+              <a:t>MVP</a:t>
+            </a:r>
+            <a:r>
+              <a:rPr lang="zh-CN" altLang="en-US" sz="2800">
+                <a:latin typeface="楷体" panose="02010609060101010101" charset="-122"/>
+                <a:ea typeface="楷体" panose="02010609060101010101" charset="-122"/>
+                <a:cs typeface="楷体" panose="02010609060101010101" charset="-122"/>
+              </a:rPr>
+              <a:t>相对应，当团队对用户需求都很熟悉很清楚，甚至比用户更了解用户需求时，可以把产品最美、最完整的形态展现出来，一举征服用户的心，但这对产品团队要求很高。</a:t>
+            </a:r>
+            <a:endParaRPr lang="zh-CN" altLang="en-US" sz="2800">
+              <a:latin typeface="楷体" panose="02010609060101010101" charset="-122"/>
+              <a:ea typeface="楷体" panose="02010609060101010101" charset="-122"/>
+              <a:cs typeface="楷体" panose="02010609060101010101" charset="-122"/>
+            </a:endParaRPr>
+          </a:p>
+        </p:txBody>
+      </p:sp>
+    </p:spTree>
+    <p:custDataLst>
+      <p:tags r:id="rId1"/>
+    </p:custDataLst>
+  </p:cSld>
+  <p:clrMapOvr>
+    <a:masterClrMapping/>
+  </p:clrMapOvr>
+</p:sld>
+</file>
+
+<file path=ppt/slides/slide34.xml><?xml version="1.0" encoding="utf-8"?>
+<p:sld xmlns:a="http://schemas.openxmlformats.org/drawingml/2006/main" xmlns:r="http://schemas.openxmlformats.org/officeDocument/2006/relationships" xmlns:p="http://schemas.openxmlformats.org/presentationml/2006/main">
+  <p:cSld>
+    <p:bg>
+      <p:bgPr>
+        <a:gradFill>
+          <a:gsLst>
+            <a:gs pos="0">
+              <a:srgbClr val="14CD68"/>
+            </a:gs>
+            <a:gs pos="100000">
+              <a:srgbClr val="035C7D"/>
+            </a:gs>
+          </a:gsLst>
+          <a:lin ang="5400000" scaled="0"/>
+        </a:gradFill>
+        <a:effectLst/>
+      </p:bgPr>
+    </p:bg>
+    <p:spTree>
+      <p:nvGrpSpPr>
+        <p:cNvPr id="1" name=""/>
+        <p:cNvGrpSpPr/>
+        <p:nvPr/>
+      </p:nvGrpSpPr>
+      <p:grpSpPr/>
+      <p:sp>
+        <p:nvSpPr>
+          <p:cNvPr id="2" name="标题 1"/>
+          <p:cNvSpPr>
+            <a:spLocks noGrp="1"/>
+          </p:cNvSpPr>
+          <p:nvPr>
+            <p:ph type="title"/>
+          </p:nvPr>
+        </p:nvSpPr>
+        <p:spPr/>
+        <p:txBody>
+          <a:bodyPr>
+            <a:scene3d>
+              <a:camera prst="orthographicFront"/>
+              <a:lightRig rig="threePt" dir="t"/>
+            </a:scene3d>
+          </a:bodyPr>
+          <a:p>
+            <a:pPr algn="ctr"/>
+            <a:r>
+              <a:rPr lang="en-US" altLang="zh-CN" sz="4000">
+                <a:solidFill>
+                  <a:schemeClr val="tx1"/>
+                </a:solidFill>
+                <a:effectLst>
+                  <a:outerShdw blurRad="38100" dist="19050" dir="2700000" algn="tl" rotWithShape="0">
+                    <a:schemeClr val="dk1">
+                      <a:alpha val="40000"/>
+                    </a:schemeClr>
+                  </a:outerShdw>
+                </a:effectLst>
+                <a:latin typeface="新宋体" panose="02010609030101010101" charset="-122"/>
+                <a:ea typeface="新宋体" panose="02010609030101010101" charset="-122"/>
+                <a:cs typeface="新宋体" panose="02010609030101010101" charset="-122"/>
+              </a:rPr>
+              <a:t>7.TSP</a:t>
+            </a:r>
+            <a:r>
+              <a:rPr lang="zh-CN" altLang="zh-CN" sz="4000">
+                <a:solidFill>
+                  <a:schemeClr val="tx1"/>
+                </a:solidFill>
+                <a:effectLst>
+                  <a:outerShdw blurRad="38100" dist="19050" dir="2700000" algn="tl" rotWithShape="0">
+                    <a:schemeClr val="dk1">
+                      <a:alpha val="40000"/>
+                    </a:schemeClr>
+                  </a:outerShdw>
+                </a:effectLst>
+                <a:latin typeface="新宋体" panose="02010609030101010101" charset="-122"/>
+                <a:ea typeface="新宋体" panose="02010609030101010101" charset="-122"/>
+                <a:cs typeface="新宋体" panose="02010609030101010101" charset="-122"/>
+              </a:rPr>
+              <a:t>（</a:t>
+            </a:r>
+            <a:r>
+              <a:rPr lang="en-US" altLang="zh-CN" sz="4000">
+                <a:solidFill>
+                  <a:schemeClr val="tx1"/>
+                </a:solidFill>
+                <a:effectLst>
+                  <a:outerShdw blurRad="38100" dist="19050" dir="2700000" algn="tl" rotWithShape="0">
+                    <a:schemeClr val="dk1">
+                      <a:alpha val="40000"/>
+                    </a:schemeClr>
+                  </a:outerShdw>
+                </a:effectLst>
+                <a:latin typeface="新宋体" panose="02010609030101010101" charset="-122"/>
+                <a:ea typeface="新宋体" panose="02010609030101010101" charset="-122"/>
+                <a:cs typeface="新宋体" panose="02010609030101010101" charset="-122"/>
+              </a:rPr>
+              <a:t>Team Software Process</a:t>
+            </a:r>
+            <a:r>
+              <a:rPr lang="zh-CN" altLang="en-US" sz="4000">
+                <a:solidFill>
+                  <a:schemeClr val="tx1"/>
+                </a:solidFill>
+                <a:effectLst>
+                  <a:outerShdw blurRad="38100" dist="19050" dir="2700000" algn="tl" rotWithShape="0">
+                    <a:schemeClr val="dk1">
+                      <a:alpha val="40000"/>
+                    </a:schemeClr>
+                  </a:outerShdw>
+                </a:effectLst>
+                <a:latin typeface="新宋体" panose="02010609030101010101" charset="-122"/>
+                <a:ea typeface="新宋体" panose="02010609030101010101" charset="-122"/>
+                <a:cs typeface="新宋体" panose="02010609030101010101" charset="-122"/>
+              </a:rPr>
+              <a:t>）</a:t>
+            </a:r>
+            <a:r>
+              <a:rPr lang="zh-CN" altLang="zh-CN" sz="4000">
+                <a:solidFill>
+                  <a:schemeClr val="tx1"/>
+                </a:solidFill>
+                <a:effectLst>
+                  <a:outerShdw blurRad="38100" dist="19050" dir="2700000" algn="tl" rotWithShape="0">
+                    <a:schemeClr val="dk1">
+                      <a:alpha val="40000"/>
+                    </a:schemeClr>
+                  </a:outerShdw>
+                </a:effectLst>
+                <a:latin typeface="新宋体" panose="02010609030101010101" charset="-122"/>
+                <a:ea typeface="新宋体" panose="02010609030101010101" charset="-122"/>
+                <a:cs typeface="新宋体" panose="02010609030101010101" charset="-122"/>
+              </a:rPr>
+              <a:t>的原则</a:t>
+            </a:r>
+            <a:endParaRPr lang="zh-CN" altLang="zh-CN" sz="4000">
+              <a:solidFill>
+                <a:schemeClr val="tx1"/>
+              </a:solidFill>
+              <a:effectLst>
+                <a:outerShdw blurRad="38100" dist="19050" dir="2700000" algn="tl" rotWithShape="0">
+                  <a:schemeClr val="dk1">
+                    <a:alpha val="40000"/>
+                  </a:schemeClr>
+                </a:outerShdw>
+              </a:effectLst>
+              <a:latin typeface="新宋体" panose="02010609030101010101" charset="-122"/>
+              <a:ea typeface="新宋体" panose="02010609030101010101" charset="-122"/>
+              <a:cs typeface="新宋体" panose="02010609030101010101" charset="-122"/>
+            </a:endParaRPr>
+          </a:p>
+        </p:txBody>
+      </p:sp>
+      <p:sp>
+        <p:nvSpPr>
+          <p:cNvPr id="3" name="内容占位符 2"/>
+          <p:cNvSpPr>
+            <a:spLocks noGrp="1"/>
+          </p:cNvSpPr>
+          <p:nvPr>
+            <p:ph idx="1"/>
+          </p:nvPr>
+        </p:nvSpPr>
+        <p:spPr/>
+        <p:txBody>
+          <a:bodyPr/>
+          <a:p>
+            <a:pPr marL="457200" indent="-457200">
+              <a:buAutoNum type="arabicPeriod"/>
+            </a:pPr>
+            <a:r>
+              <a:rPr lang="zh-CN" altLang="zh-CN">
+                <a:latin typeface="楷体" panose="02010609060101010101" charset="-122"/>
+                <a:ea typeface="楷体" panose="02010609060101010101" charset="-122"/>
+              </a:rPr>
+              <a:t>使用妥善定义的流程，每一步都是可重复、可衡量结果的。</a:t>
+            </a:r>
+            <a:endParaRPr lang="zh-CN" altLang="zh-CN">
+              <a:latin typeface="楷体" panose="02010609060101010101" charset="-122"/>
+              <a:ea typeface="楷体" panose="02010609060101010101" charset="-122"/>
+            </a:endParaRPr>
+          </a:p>
+          <a:p>
+            <a:pPr marL="457200" indent="-457200">
+              <a:buAutoNum type="arabicPeriod"/>
+            </a:pPr>
+            <a:r>
+              <a:rPr lang="zh-CN" altLang="zh-CN">
+                <a:latin typeface="楷体" panose="02010609060101010101" charset="-122"/>
+                <a:ea typeface="楷体" panose="02010609060101010101" charset="-122"/>
+              </a:rPr>
+              <a:t>团队的各个成员对团队的目标、角色、产品都有统一理解。</a:t>
+            </a:r>
+            <a:endParaRPr lang="zh-CN" altLang="zh-CN">
+              <a:latin typeface="楷体" panose="02010609060101010101" charset="-122"/>
+              <a:ea typeface="楷体" panose="02010609060101010101" charset="-122"/>
+            </a:endParaRPr>
+          </a:p>
+          <a:p>
+            <a:pPr marL="457200" indent="-457200">
+              <a:buAutoNum type="arabicPeriod"/>
+            </a:pPr>
+            <a:r>
+              <a:rPr lang="zh-CN" altLang="zh-CN">
+                <a:latin typeface="楷体" panose="02010609060101010101" charset="-122"/>
+                <a:ea typeface="楷体" panose="02010609060101010101" charset="-122"/>
+              </a:rPr>
+              <a:t>尽可能使用成熟的技术和做法。</a:t>
+            </a:r>
+            <a:endParaRPr lang="zh-CN" altLang="zh-CN">
+              <a:latin typeface="楷体" panose="02010609060101010101" charset="-122"/>
+              <a:ea typeface="楷体" panose="02010609060101010101" charset="-122"/>
+            </a:endParaRPr>
+          </a:p>
+          <a:p>
+            <a:pPr marL="457200" indent="-457200">
+              <a:buAutoNum type="arabicPeriod"/>
+            </a:pPr>
+            <a:r>
+              <a:rPr lang="zh-CN" altLang="zh-CN">
+                <a:latin typeface="楷体" panose="02010609060101010101" charset="-122"/>
+                <a:ea typeface="楷体" panose="02010609060101010101" charset="-122"/>
+              </a:rPr>
+              <a:t>尽可能多地收集各种数据，哪怕对团队不利的数据，并用数据来帮助团队做出合理决定。</a:t>
+            </a:r>
+            <a:endParaRPr lang="zh-CN" altLang="zh-CN">
+              <a:latin typeface="楷体" panose="02010609060101010101" charset="-122"/>
+              <a:ea typeface="楷体" panose="02010609060101010101" charset="-122"/>
+            </a:endParaRPr>
+          </a:p>
+          <a:p>
+            <a:pPr marL="457200" indent="-457200">
+              <a:buAutoNum type="arabicPeriod"/>
+            </a:pPr>
+            <a:r>
+              <a:rPr lang="zh-CN" altLang="zh-CN">
+                <a:latin typeface="楷体" panose="02010609060101010101" charset="-122"/>
+                <a:ea typeface="楷体" panose="02010609060101010101" charset="-122"/>
+              </a:rPr>
+              <a:t>制定切合实际的计划和承诺，团队计划要由负责具体执行的角色而不是直接上级来制定</a:t>
+            </a:r>
+            <a:r>
+              <a:rPr lang="zh-CN" altLang="zh-CN">
+                <a:latin typeface="楷体" panose="02010609060101010101" charset="-122"/>
+                <a:ea typeface="楷体" panose="02010609060101010101" charset="-122"/>
+                <a:sym typeface="+mn-ea"/>
+              </a:rPr>
+              <a:t>，减少不懂行的上级</a:t>
+            </a:r>
+            <a:r>
+              <a:rPr lang="en-US" altLang="zh-CN">
+                <a:latin typeface="楷体" panose="02010609060101010101" charset="-122"/>
+                <a:ea typeface="楷体" panose="02010609060101010101" charset="-122"/>
+                <a:sym typeface="+mn-ea"/>
+              </a:rPr>
+              <a:t>“</a:t>
+            </a:r>
+            <a:r>
+              <a:rPr lang="zh-CN" altLang="en-US">
+                <a:latin typeface="楷体" panose="02010609060101010101" charset="-122"/>
+                <a:ea typeface="楷体" panose="02010609060101010101" charset="-122"/>
+                <a:sym typeface="+mn-ea"/>
+              </a:rPr>
+              <a:t>瞎指挥</a:t>
+            </a:r>
+            <a:r>
+              <a:rPr lang="en-US" altLang="zh-CN">
+                <a:latin typeface="楷体" panose="02010609060101010101" charset="-122"/>
+                <a:ea typeface="楷体" panose="02010609060101010101" charset="-122"/>
+                <a:sym typeface="+mn-ea"/>
+              </a:rPr>
+              <a:t>”</a:t>
+            </a:r>
+            <a:r>
+              <a:rPr lang="zh-CN" altLang="en-US">
+                <a:latin typeface="楷体" panose="02010609060101010101" charset="-122"/>
+                <a:ea typeface="楷体" panose="02010609060101010101" charset="-122"/>
+                <a:sym typeface="+mn-ea"/>
+              </a:rPr>
+              <a:t>造成的负面影响。</a:t>
+            </a:r>
+            <a:endParaRPr lang="zh-CN" altLang="en-US">
+              <a:latin typeface="楷体" panose="02010609060101010101" charset="-122"/>
+              <a:ea typeface="楷体" panose="02010609060101010101" charset="-122"/>
+              <a:sym typeface="+mn-ea"/>
+            </a:endParaRPr>
+          </a:p>
+          <a:p>
+            <a:pPr marL="457200" indent="-457200">
+              <a:buAutoNum type="arabicPeriod"/>
+            </a:pPr>
+            <a:r>
+              <a:rPr lang="zh-CN" altLang="zh-CN">
+                <a:latin typeface="楷体" panose="02010609060101010101" charset="-122"/>
+                <a:ea typeface="楷体" panose="02010609060101010101" charset="-122"/>
+              </a:rPr>
+              <a:t>增加团队的自我管理能力。</a:t>
+            </a:r>
+            <a:endParaRPr lang="zh-CN" altLang="zh-CN">
+              <a:latin typeface="楷体" panose="02010609060101010101" charset="-122"/>
+              <a:ea typeface="楷体" panose="02010609060101010101" charset="-122"/>
+            </a:endParaRPr>
+          </a:p>
+          <a:p>
+            <a:pPr marL="457200" indent="-457200">
+              <a:buAutoNum type="arabicPeriod"/>
+            </a:pPr>
+            <a:r>
+              <a:rPr lang="zh-CN" altLang="zh-CN">
+                <a:latin typeface="楷体" panose="02010609060101010101" charset="-122"/>
+                <a:ea typeface="楷体" panose="02010609060101010101" charset="-122"/>
+              </a:rPr>
+              <a:t>专注于提高质量，争取在软件生命周期的早期发现问题而不是在后期匆忙修复问题</a:t>
+            </a:r>
+            <a:r>
+              <a:rPr lang="en-US" altLang="zh-CN">
+                <a:latin typeface="楷体" panose="02010609060101010101" charset="-122"/>
+                <a:ea typeface="楷体" panose="02010609060101010101" charset="-122"/>
+              </a:rPr>
+              <a:t>——</a:t>
+            </a:r>
+            <a:r>
+              <a:rPr lang="zh-CN" altLang="en-US">
+                <a:latin typeface="楷体" panose="02010609060101010101" charset="-122"/>
+                <a:ea typeface="楷体" panose="02010609060101010101" charset="-122"/>
+              </a:rPr>
+              <a:t>最有效的办法：做全面细致的设计工作。</a:t>
+            </a:r>
+            <a:endParaRPr lang="zh-CN" altLang="en-US">
+              <a:latin typeface="楷体" panose="02010609060101010101" charset="-122"/>
+              <a:ea typeface="楷体" panose="02010609060101010101" charset="-122"/>
+            </a:endParaRPr>
+          </a:p>
+        </p:txBody>
+      </p:sp>
+    </p:spTree>
+    <p:custDataLst>
+      <p:tags r:id="rId1"/>
     </p:custDataLst>
   </p:cSld>
   <p:clrMapOvr>
@@ -23421,6 +24920,46 @@
 </p:tagLst>
 </file>
 
+<file path=ppt/tags/tag45.xml><?xml version="1.0" encoding="utf-8"?>
+<p:tagLst xmlns:p="http://schemas.openxmlformats.org/presentationml/2006/main">
+  <p:tag name="KSO_WM_BEAUTIFY_FLAG" val="#wm#"/>
+  <p:tag name="KSO_WM_TEMPLATE_CATEGORY" val="custom"/>
+  <p:tag name="KSO_WM_TEMPLATE_INDEX" val="20185051"/>
+</p:tagLst>
+</file>
+
+<file path=ppt/tags/tag46.xml><?xml version="1.0" encoding="utf-8"?>
+<p:tagLst xmlns:p="http://schemas.openxmlformats.org/presentationml/2006/main">
+  <p:tag name="KSO_WM_BEAUTIFY_FLAG" val="#wm#"/>
+  <p:tag name="KSO_WM_TEMPLATE_CATEGORY" val="custom"/>
+  <p:tag name="KSO_WM_TEMPLATE_INDEX" val="20185051"/>
+</p:tagLst>
+</file>
+
+<file path=ppt/tags/tag47.xml><?xml version="1.0" encoding="utf-8"?>
+<p:tagLst xmlns:p="http://schemas.openxmlformats.org/presentationml/2006/main">
+  <p:tag name="KSO_WM_BEAUTIFY_FLAG" val="#wm#"/>
+  <p:tag name="KSO_WM_TEMPLATE_CATEGORY" val="custom"/>
+  <p:tag name="KSO_WM_TEMPLATE_INDEX" val="20185051"/>
+</p:tagLst>
+</file>
+
+<file path=ppt/tags/tag48.xml><?xml version="1.0" encoding="utf-8"?>
+<p:tagLst xmlns:p="http://schemas.openxmlformats.org/presentationml/2006/main">
+  <p:tag name="KSO_WM_BEAUTIFY_FLAG" val="#wm#"/>
+  <p:tag name="KSO_WM_TEMPLATE_CATEGORY" val="custom"/>
+  <p:tag name="KSO_WM_TEMPLATE_INDEX" val="20185051"/>
+</p:tagLst>
+</file>
+
+<file path=ppt/tags/tag49.xml><?xml version="1.0" encoding="utf-8"?>
+<p:tagLst xmlns:p="http://schemas.openxmlformats.org/presentationml/2006/main">
+  <p:tag name="KSO_WM_BEAUTIFY_FLAG" val="#wm#"/>
+  <p:tag name="KSO_WM_TEMPLATE_CATEGORY" val="custom"/>
+  <p:tag name="KSO_WM_TEMPLATE_INDEX" val="20185051"/>
+</p:tagLst>
+</file>
+
 <file path=ppt/tags/tag5.xml><?xml version="1.0" encoding="utf-8"?>
 <p:tagLst xmlns:p="http://schemas.openxmlformats.org/presentationml/2006/main">
   <p:tag name="KSO_WM_TEMPLATE_CATEGORY" val="custom"/>
@@ -23436,6 +24975,14 @@
   <p:tag name="KSO_WM_UNIT_CLEAR" val="0"/>
   <p:tag name="KSO_WM_BEAUTIFY_FLAG" val="#wm#"/>
   <p:tag name="KSO_WM_UNIT_PRESET_TEXT" val="2018"/>
+</p:tagLst>
+</file>
+
+<file path=ppt/tags/tag50.xml><?xml version="1.0" encoding="utf-8"?>
+<p:tagLst xmlns:p="http://schemas.openxmlformats.org/presentationml/2006/main">
+  <p:tag name="KSO_WM_BEAUTIFY_FLAG" val="#wm#"/>
+  <p:tag name="KSO_WM_TEMPLATE_CATEGORY" val="custom"/>
+  <p:tag name="KSO_WM_TEMPLATE_INDEX" val="20185051"/>
 </p:tagLst>
 </file>
 
